--- a/notes/Lecture_01.pptx
+++ b/notes/Lecture_01.pptx
@@ -5,10 +5,10 @@
     <p:sldMasterId id="2147483777" r:id="rId1"/>
   </p:sldMasterIdLst>
   <p:notesMasterIdLst>
-    <p:notesMasterId r:id="rId13"/>
+    <p:notesMasterId r:id="rId14"/>
   </p:notesMasterIdLst>
   <p:handoutMasterIdLst>
-    <p:handoutMasterId r:id="rId14"/>
+    <p:handoutMasterId r:id="rId15"/>
   </p:handoutMasterIdLst>
   <p:sldIdLst>
     <p:sldId id="256" r:id="rId2"/>
@@ -21,7 +21,8 @@
     <p:sldId id="262" r:id="rId9"/>
     <p:sldId id="263" r:id="rId10"/>
     <p:sldId id="264" r:id="rId11"/>
-    <p:sldId id="266" r:id="rId12"/>
+    <p:sldId id="268" r:id="rId12"/>
+    <p:sldId id="266" r:id="rId13"/>
   </p:sldIdLst>
   <p:sldSz cx="9144000" cy="6858000" type="screen4x3"/>
   <p:notesSz cx="7010400" cy="9296400"/>
@@ -9610,10 +9611,8 @@
               <a:t>e-mail: </a:t>
             </a:r>
             <a:r>
-              <a:rPr lang="en-US" dirty="0">
-                <a:hlinkClick r:id="rId2"/>
-              </a:rPr>
-              <a:t>Igor.Steinmacher@nau.edu</a:t>
+              <a:rPr lang="en-US" dirty="0" err="1"/>
+              <a:t>igorfs@utfpr.edu.br</a:t>
             </a:r>
             <a:endParaRPr lang="en-US" dirty="0"/>
           </a:p>
@@ -9681,7 +9680,7 @@
           <p:nvPr/>
         </p:nvPicPr>
         <p:blipFill>
-          <a:blip r:embed="rId3">
+          <a:blip r:embed="rId2">
             <a:extLst>
               <a:ext uri="{28A0092B-C50C-407E-A947-70E740481C1C}">
                 <a14:useLocalDpi xmlns:a14="http://schemas.microsoft.com/office/drawing/2010/main" val="0"/>
@@ -9787,7 +9786,7 @@
             <p:ph idx="1"/>
             <p:extLst>
               <p:ext uri="{D42A27DB-BD31-4B8C-83A1-F6EECF244321}">
-                <p14:modId xmlns:p14="http://schemas.microsoft.com/office/powerpoint/2010/main" val="2509711786"/>
+                <p14:modId xmlns:p14="http://schemas.microsoft.com/office/powerpoint/2010/main" val="4084495412"/>
               </p:ext>
             </p:extLst>
           </p:nvPr>
@@ -10753,7 +10752,7 @@
                           </a:solidFill>
                           <a:effectLst/>
                         </a:rPr>
-                        <a:t>10%</a:t>
+                        <a:t>7%</a:t>
                       </a:r>
                       <a:endParaRPr lang="en-US" sz="1800" dirty="0">
                         <a:solidFill>
@@ -10995,13 +10994,22 @@
                         </a:spcAft>
                       </a:pPr>
                       <a:r>
+                        <a:rPr lang="en-US" sz="1800" i="1" dirty="0">
+                          <a:solidFill>
+                            <a:schemeClr val="tx1"/>
+                          </a:solidFill>
+                          <a:effectLst/>
+                        </a:rPr>
+                        <a:t>5</a:t>
+                      </a:r>
+                      <a:r>
                         <a:rPr lang="en-US" sz="1800" dirty="0">
                           <a:solidFill>
                             <a:schemeClr val="tx1"/>
                           </a:solidFill>
                           <a:effectLst/>
                         </a:rPr>
-                        <a:t>10%</a:t>
+                        <a:t>%</a:t>
                       </a:r>
                       <a:endParaRPr lang="en-US" sz="1800" dirty="0">
                         <a:solidFill>
@@ -11265,7 +11273,7 @@
                           </a:solidFill>
                           <a:effectLst/>
                         </a:rPr>
-                        <a:t>10%</a:t>
+                        <a:t>8%</a:t>
                       </a:r>
                       <a:endParaRPr lang="en-US" sz="1800" dirty="0">
                         <a:solidFill>
@@ -11678,7 +11686,7 @@
                           <a:ea typeface="+mn-ea"/>
                           <a:cs typeface="+mn-cs"/>
                         </a:rPr>
-                        <a:t>15%</a:t>
+                        <a:t>5%</a:t>
                       </a:r>
                     </a:p>
                   </a:txBody>
@@ -11857,7 +11865,31 @@
                           <a:ea typeface="+mn-ea"/>
                           <a:cs typeface="+mn-cs"/>
                         </a:rPr>
-                        <a:t> para reporter o </a:t>
+                        <a:t> para </a:t>
+                      </a:r>
+                      <a:r>
+                        <a:rPr lang="en-US" sz="1800" b="0" kern="1200" dirty="0" err="1">
+                          <a:solidFill>
+                            <a:schemeClr val="tx1"/>
+                          </a:solidFill>
+                          <a:effectLst/>
+                          <a:latin typeface="+mn-lt"/>
+                          <a:ea typeface="+mn-ea"/>
+                          <a:cs typeface="+mn-cs"/>
+                        </a:rPr>
+                        <a:t>reportar</a:t>
+                      </a:r>
+                      <a:r>
+                        <a:rPr lang="en-US" sz="1800" b="0" kern="1200" dirty="0">
+                          <a:solidFill>
+                            <a:schemeClr val="tx1"/>
+                          </a:solidFill>
+                          <a:effectLst/>
+                          <a:latin typeface="+mn-lt"/>
+                          <a:ea typeface="+mn-ea"/>
+                          <a:cs typeface="+mn-cs"/>
+                        </a:rPr>
+                        <a:t> o </a:t>
                       </a:r>
                       <a:r>
                         <a:rPr lang="en-US" sz="1800" b="0" kern="1200" dirty="0" err="1">
@@ -11969,7 +12001,7 @@
                           <a:ea typeface="+mn-ea"/>
                           <a:cs typeface="+mn-cs"/>
                         </a:rPr>
-                        <a:t>10%</a:t>
+                        <a:t>5%</a:t>
                       </a:r>
                     </a:p>
                   </a:txBody>
@@ -12098,6 +12130,1822 @@
           <p:cNvPr id="2" name="Title 1">
             <a:extLst>
               <a:ext uri="{FF2B5EF4-FFF2-40B4-BE49-F238E27FC236}">
+                <a16:creationId xmlns:a16="http://schemas.microsoft.com/office/drawing/2014/main" id="{BE60D491-1761-714E-A582-97CCB8ADA51E}"/>
+              </a:ext>
+            </a:extLst>
+          </p:cNvPr>
+          <p:cNvSpPr>
+            <a:spLocks noGrp="1"/>
+          </p:cNvSpPr>
+          <p:nvPr>
+            <p:ph type="title"/>
+          </p:nvPr>
+        </p:nvSpPr>
+        <p:spPr/>
+        <p:txBody>
+          <a:bodyPr/>
+          <a:lstStyle/>
+          <a:p>
+            <a:r>
+              <a:rPr lang="en-US" dirty="0"/>
+              <a:t>Important Information</a:t>
+            </a:r>
+          </a:p>
+        </p:txBody>
+      </p:sp>
+      <p:graphicFrame>
+        <p:nvGraphicFramePr>
+          <p:cNvPr id="5" name="Content Placeholder 4">
+            <a:extLst>
+              <a:ext uri="{FF2B5EF4-FFF2-40B4-BE49-F238E27FC236}">
+                <a16:creationId xmlns:a16="http://schemas.microsoft.com/office/drawing/2014/main" id="{5DA5253B-173D-2F49-ABD5-A26D07B6DAE9}"/>
+              </a:ext>
+            </a:extLst>
+          </p:cNvPr>
+          <p:cNvGraphicFramePr>
+            <a:graphicFrameLocks noGrp="1"/>
+          </p:cNvGraphicFramePr>
+          <p:nvPr>
+            <p:ph idx="1"/>
+            <p:extLst>
+              <p:ext uri="{D42A27DB-BD31-4B8C-83A1-F6EECF244321}">
+                <p14:modId xmlns:p14="http://schemas.microsoft.com/office/powerpoint/2010/main" val="3957964866"/>
+              </p:ext>
+            </p:extLst>
+          </p:nvPr>
+        </p:nvGraphicFramePr>
+        <p:xfrm>
+          <a:off x="1071151" y="1231172"/>
+          <a:ext cx="7299453" cy="3068323"/>
+        </p:xfrm>
+        <a:graphic>
+          <a:graphicData uri="http://schemas.openxmlformats.org/drawingml/2006/table">
+            <a:tbl>
+              <a:tblPr firstRow="1" firstCol="1" bandRow="1">
+                <a:tableStyleId>{5C22544A-7EE6-4342-B048-85BDC9FD1C3A}</a:tableStyleId>
+              </a:tblPr>
+              <a:tblGrid>
+                <a:gridCol w="2858172">
+                  <a:extLst>
+                    <a:ext uri="{9D8B030D-6E8A-4147-A177-3AD203B41FA5}">
+                      <a16:colId xmlns:a16="http://schemas.microsoft.com/office/drawing/2014/main" val="1001266871"/>
+                    </a:ext>
+                  </a:extLst>
+                </a:gridCol>
+                <a:gridCol w="3799534">
+                  <a:extLst>
+                    <a:ext uri="{9D8B030D-6E8A-4147-A177-3AD203B41FA5}">
+                      <a16:colId xmlns:a16="http://schemas.microsoft.com/office/drawing/2014/main" val="61217609"/>
+                    </a:ext>
+                  </a:extLst>
+                </a:gridCol>
+                <a:gridCol w="641747">
+                  <a:extLst>
+                    <a:ext uri="{9D8B030D-6E8A-4147-A177-3AD203B41FA5}">
+                      <a16:colId xmlns:a16="http://schemas.microsoft.com/office/drawing/2014/main" val="1255764092"/>
+                    </a:ext>
+                  </a:extLst>
+                </a:gridCol>
+              </a:tblGrid>
+              <a:tr h="383541">
+                <a:tc>
+                  <a:txBody>
+                    <a:bodyPr/>
+                    <a:lstStyle/>
+                    <a:p>
+                      <a:pPr marL="0" marR="0">
+                        <a:spcBef>
+                          <a:spcPts val="0"/>
+                        </a:spcBef>
+                        <a:spcAft>
+                          <a:spcPts val="0"/>
+                        </a:spcAft>
+                      </a:pPr>
+                      <a:r>
+                        <a:rPr lang="en-US" sz="1800" b="1">
+                          <a:effectLst/>
+                        </a:rPr>
+                        <a:t>Atividade</a:t>
+                      </a:r>
+                      <a:endParaRPr lang="en-US" sz="1800" b="1" dirty="0">
+                        <a:effectLst/>
+                        <a:latin typeface="Calibri" panose="020F0502020204030204" pitchFamily="34" charset="0"/>
+                        <a:ea typeface="Calibri" panose="020F0502020204030204" pitchFamily="34" charset="0"/>
+                        <a:cs typeface="Times New Roman" panose="02020603050405020304" pitchFamily="18" charset="0"/>
+                      </a:endParaRPr>
+                    </a:p>
+                  </a:txBody>
+                  <a:tcPr marL="34673" marR="34673" marT="0" marB="0">
+                    <a:lnL w="12700" cap="flat" cmpd="sng" algn="ctr">
+                      <a:solidFill>
+                        <a:schemeClr val="tx1"/>
+                      </a:solidFill>
+                      <a:prstDash val="solid"/>
+                      <a:round/>
+                      <a:headEnd type="none" w="med" len="med"/>
+                      <a:tailEnd type="none" w="med" len="med"/>
+                    </a:lnL>
+                    <a:lnR w="12700" cap="flat" cmpd="sng" algn="ctr">
+                      <a:solidFill>
+                        <a:schemeClr val="tx1"/>
+                      </a:solidFill>
+                      <a:prstDash val="solid"/>
+                      <a:round/>
+                      <a:headEnd type="none" w="med" len="med"/>
+                      <a:tailEnd type="none" w="med" len="med"/>
+                    </a:lnR>
+                    <a:lnT w="12700" cap="flat" cmpd="sng" algn="ctr">
+                      <a:solidFill>
+                        <a:schemeClr val="tx1"/>
+                      </a:solidFill>
+                      <a:prstDash val="solid"/>
+                      <a:round/>
+                      <a:headEnd type="none" w="med" len="med"/>
+                      <a:tailEnd type="none" w="med" len="med"/>
+                    </a:lnT>
+                    <a:lnB w="12700" cap="flat" cmpd="sng" algn="ctr">
+                      <a:solidFill>
+                        <a:schemeClr val="tx1"/>
+                      </a:solidFill>
+                      <a:prstDash val="solid"/>
+                      <a:round/>
+                      <a:headEnd type="none" w="med" len="med"/>
+                      <a:tailEnd type="none" w="med" len="med"/>
+                    </a:lnB>
+                    <a:solidFill>
+                      <a:srgbClr val="0E3361"/>
+                    </a:solidFill>
+                  </a:tcPr>
+                </a:tc>
+                <a:tc>
+                  <a:txBody>
+                    <a:bodyPr/>
+                    <a:lstStyle/>
+                    <a:p>
+                      <a:pPr marL="0" marR="0">
+                        <a:spcBef>
+                          <a:spcPts val="0"/>
+                        </a:spcBef>
+                        <a:spcAft>
+                          <a:spcPts val="0"/>
+                        </a:spcAft>
+                      </a:pPr>
+                      <a:r>
+                        <a:rPr lang="en-US" sz="1800" b="1">
+                          <a:effectLst/>
+                        </a:rPr>
+                        <a:t>Entrega</a:t>
+                      </a:r>
+                      <a:endParaRPr lang="en-US" sz="1800" b="1" dirty="0">
+                        <a:effectLst/>
+                        <a:latin typeface="Calibri" panose="020F0502020204030204" pitchFamily="34" charset="0"/>
+                        <a:ea typeface="Calibri" panose="020F0502020204030204" pitchFamily="34" charset="0"/>
+                        <a:cs typeface="Times New Roman" panose="02020603050405020304" pitchFamily="18" charset="0"/>
+                      </a:endParaRPr>
+                    </a:p>
+                  </a:txBody>
+                  <a:tcPr marL="34673" marR="34673" marT="0" marB="0">
+                    <a:lnL w="12700" cap="flat" cmpd="sng" algn="ctr">
+                      <a:solidFill>
+                        <a:schemeClr val="tx1"/>
+                      </a:solidFill>
+                      <a:prstDash val="solid"/>
+                      <a:round/>
+                      <a:headEnd type="none" w="med" len="med"/>
+                      <a:tailEnd type="none" w="med" len="med"/>
+                    </a:lnL>
+                    <a:lnR w="12700" cap="flat" cmpd="sng" algn="ctr">
+                      <a:solidFill>
+                        <a:schemeClr val="tx1"/>
+                      </a:solidFill>
+                      <a:prstDash val="solid"/>
+                      <a:round/>
+                      <a:headEnd type="none" w="med" len="med"/>
+                      <a:tailEnd type="none" w="med" len="med"/>
+                    </a:lnR>
+                    <a:lnT w="12700" cap="flat" cmpd="sng" algn="ctr">
+                      <a:solidFill>
+                        <a:schemeClr val="tx1"/>
+                      </a:solidFill>
+                      <a:prstDash val="solid"/>
+                      <a:round/>
+                      <a:headEnd type="none" w="med" len="med"/>
+                      <a:tailEnd type="none" w="med" len="med"/>
+                    </a:lnT>
+                    <a:lnB w="12700" cap="flat" cmpd="sng" algn="ctr">
+                      <a:solidFill>
+                        <a:schemeClr val="tx1"/>
+                      </a:solidFill>
+                      <a:prstDash val="solid"/>
+                      <a:round/>
+                      <a:headEnd type="none" w="med" len="med"/>
+                      <a:tailEnd type="none" w="med" len="med"/>
+                    </a:lnB>
+                    <a:solidFill>
+                      <a:srgbClr val="0E3361"/>
+                    </a:solidFill>
+                  </a:tcPr>
+                </a:tc>
+                <a:tc>
+                  <a:txBody>
+                    <a:bodyPr/>
+                    <a:lstStyle/>
+                    <a:p>
+                      <a:pPr marL="0" marR="0" algn="ctr">
+                        <a:spcBef>
+                          <a:spcPts val="0"/>
+                        </a:spcBef>
+                        <a:spcAft>
+                          <a:spcPts val="0"/>
+                        </a:spcAft>
+                      </a:pPr>
+                      <a:r>
+                        <a:rPr lang="en-US" sz="1800" b="1" dirty="0">
+                          <a:effectLst/>
+                        </a:rPr>
+                        <a:t>Peso</a:t>
+                      </a:r>
+                      <a:endParaRPr lang="en-US" sz="1800" b="1" dirty="0">
+                        <a:effectLst/>
+                        <a:latin typeface="Calibri" panose="020F0502020204030204" pitchFamily="34" charset="0"/>
+                        <a:ea typeface="Calibri" panose="020F0502020204030204" pitchFamily="34" charset="0"/>
+                        <a:cs typeface="Times New Roman" panose="02020603050405020304" pitchFamily="18" charset="0"/>
+                      </a:endParaRPr>
+                    </a:p>
+                  </a:txBody>
+                  <a:tcPr marL="34673" marR="34673" marT="0" marB="0">
+                    <a:lnL w="12700" cap="flat" cmpd="sng" algn="ctr">
+                      <a:solidFill>
+                        <a:schemeClr val="tx1"/>
+                      </a:solidFill>
+                      <a:prstDash val="solid"/>
+                      <a:round/>
+                      <a:headEnd type="none" w="med" len="med"/>
+                      <a:tailEnd type="none" w="med" len="med"/>
+                    </a:lnL>
+                    <a:lnR w="12700" cap="flat" cmpd="sng" algn="ctr">
+                      <a:solidFill>
+                        <a:schemeClr val="tx1"/>
+                      </a:solidFill>
+                      <a:prstDash val="solid"/>
+                      <a:round/>
+                      <a:headEnd type="none" w="med" len="med"/>
+                      <a:tailEnd type="none" w="med" len="med"/>
+                    </a:lnR>
+                    <a:lnT w="12700" cap="flat" cmpd="sng" algn="ctr">
+                      <a:solidFill>
+                        <a:schemeClr val="tx1"/>
+                      </a:solidFill>
+                      <a:prstDash val="solid"/>
+                      <a:round/>
+                      <a:headEnd type="none" w="med" len="med"/>
+                      <a:tailEnd type="none" w="med" len="med"/>
+                    </a:lnT>
+                    <a:lnB w="12700" cap="flat" cmpd="sng" algn="ctr">
+                      <a:solidFill>
+                        <a:schemeClr val="tx1"/>
+                      </a:solidFill>
+                      <a:prstDash val="solid"/>
+                      <a:round/>
+                      <a:headEnd type="none" w="med" len="med"/>
+                      <a:tailEnd type="none" w="med" len="med"/>
+                    </a:lnB>
+                    <a:solidFill>
+                      <a:srgbClr val="0E3361"/>
+                    </a:solidFill>
+                  </a:tcPr>
+                </a:tc>
+                <a:extLst>
+                  <a:ext uri="{0D108BD9-81ED-4DB2-BD59-A6C34878D82A}">
+                    <a16:rowId xmlns:a16="http://schemas.microsoft.com/office/drawing/2014/main" val="870305153"/>
+                  </a:ext>
+                </a:extLst>
+              </a:tr>
+              <a:tr h="383541">
+                <a:tc>
+                  <a:txBody>
+                    <a:bodyPr/>
+                    <a:lstStyle/>
+                    <a:p>
+                      <a:pPr marL="0" marR="0">
+                        <a:spcBef>
+                          <a:spcPts val="0"/>
+                        </a:spcBef>
+                        <a:spcAft>
+                          <a:spcPts val="0"/>
+                        </a:spcAft>
+                      </a:pPr>
+                      <a:r>
+                        <a:rPr lang="en-US" sz="1800" b="0" dirty="0" err="1">
+                          <a:solidFill>
+                            <a:schemeClr val="tx1"/>
+                          </a:solidFill>
+                          <a:effectLst/>
+                          <a:latin typeface="Calibri" panose="020F0502020204030204" pitchFamily="34" charset="0"/>
+                          <a:ea typeface="Calibri" panose="020F0502020204030204" pitchFamily="34" charset="0"/>
+                          <a:cs typeface="Times New Roman" panose="02020603050405020304" pitchFamily="18" charset="0"/>
+                        </a:rPr>
+                        <a:t>Artigo</a:t>
+                      </a:r>
+                      <a:r>
+                        <a:rPr lang="en-US" sz="1800" b="0" dirty="0">
+                          <a:solidFill>
+                            <a:schemeClr val="tx1"/>
+                          </a:solidFill>
+                          <a:effectLst/>
+                          <a:latin typeface="Calibri" panose="020F0502020204030204" pitchFamily="34" charset="0"/>
+                          <a:ea typeface="Calibri" panose="020F0502020204030204" pitchFamily="34" charset="0"/>
+                          <a:cs typeface="Times New Roman" panose="02020603050405020304" pitchFamily="18" charset="0"/>
+                        </a:rPr>
+                        <a:t> </a:t>
+                      </a:r>
+                      <a:r>
+                        <a:rPr lang="en-US" sz="1800" b="0" dirty="0" err="1">
+                          <a:solidFill>
+                            <a:schemeClr val="tx1"/>
+                          </a:solidFill>
+                          <a:effectLst/>
+                          <a:latin typeface="Calibri" panose="020F0502020204030204" pitchFamily="34" charset="0"/>
+                          <a:ea typeface="Calibri" panose="020F0502020204030204" pitchFamily="34" charset="0"/>
+                          <a:cs typeface="Times New Roman" panose="02020603050405020304" pitchFamily="18" charset="0"/>
+                        </a:rPr>
+                        <a:t>sobre</a:t>
+                      </a:r>
+                      <a:r>
+                        <a:rPr lang="en-US" sz="1800" b="0" dirty="0">
+                          <a:solidFill>
+                            <a:schemeClr val="tx1"/>
+                          </a:solidFill>
+                          <a:effectLst/>
+                          <a:latin typeface="Calibri" panose="020F0502020204030204" pitchFamily="34" charset="0"/>
+                          <a:ea typeface="Calibri" panose="020F0502020204030204" pitchFamily="34" charset="0"/>
+                          <a:cs typeface="Times New Roman" panose="02020603050405020304" pitchFamily="18" charset="0"/>
+                        </a:rPr>
+                        <a:t> </a:t>
+                      </a:r>
+                      <a:r>
+                        <a:rPr lang="en-US" sz="1800" b="0" dirty="0" err="1">
+                          <a:solidFill>
+                            <a:schemeClr val="tx1"/>
+                          </a:solidFill>
+                          <a:effectLst/>
+                          <a:latin typeface="Calibri" panose="020F0502020204030204" pitchFamily="34" charset="0"/>
+                          <a:ea typeface="Calibri" panose="020F0502020204030204" pitchFamily="34" charset="0"/>
+                          <a:cs typeface="Times New Roman" panose="02020603050405020304" pitchFamily="18" charset="0"/>
+                        </a:rPr>
+                        <a:t>algum</a:t>
+                      </a:r>
+                      <a:r>
+                        <a:rPr lang="en-US" sz="1800" b="0" dirty="0">
+                          <a:solidFill>
+                            <a:schemeClr val="tx1"/>
+                          </a:solidFill>
+                          <a:effectLst/>
+                          <a:latin typeface="Calibri" panose="020F0502020204030204" pitchFamily="34" charset="0"/>
+                          <a:ea typeface="Calibri" panose="020F0502020204030204" pitchFamily="34" charset="0"/>
+                          <a:cs typeface="Times New Roman" panose="02020603050405020304" pitchFamily="18" charset="0"/>
+                        </a:rPr>
+                        <a:t> </a:t>
+                      </a:r>
+                      <a:r>
+                        <a:rPr lang="en-US" sz="1800" b="0" dirty="0" err="1">
+                          <a:solidFill>
+                            <a:schemeClr val="tx1"/>
+                          </a:solidFill>
+                          <a:effectLst/>
+                          <a:latin typeface="Calibri" panose="020F0502020204030204" pitchFamily="34" charset="0"/>
+                          <a:ea typeface="Calibri" panose="020F0502020204030204" pitchFamily="34" charset="0"/>
+                          <a:cs typeface="Times New Roman" panose="02020603050405020304" pitchFamily="18" charset="0"/>
+                        </a:rPr>
+                        <a:t>tópico</a:t>
+                      </a:r>
+                      <a:endParaRPr lang="en-US" sz="1800" b="0" dirty="0">
+                        <a:solidFill>
+                          <a:schemeClr val="tx1"/>
+                        </a:solidFill>
+                        <a:effectLst/>
+                        <a:latin typeface="Calibri" panose="020F0502020204030204" pitchFamily="34" charset="0"/>
+                        <a:ea typeface="Calibri" panose="020F0502020204030204" pitchFamily="34" charset="0"/>
+                        <a:cs typeface="Times New Roman" panose="02020603050405020304" pitchFamily="18" charset="0"/>
+                      </a:endParaRPr>
+                    </a:p>
+                  </a:txBody>
+                  <a:tcPr marL="34673" marR="34673" marT="0" marB="0">
+                    <a:lnL w="12700" cap="flat" cmpd="sng" algn="ctr">
+                      <a:solidFill>
+                        <a:schemeClr val="tx1"/>
+                      </a:solidFill>
+                      <a:prstDash val="solid"/>
+                      <a:round/>
+                      <a:headEnd type="none" w="med" len="med"/>
+                      <a:tailEnd type="none" w="med" len="med"/>
+                    </a:lnL>
+                    <a:lnR w="12700" cap="flat" cmpd="sng" algn="ctr">
+                      <a:solidFill>
+                        <a:schemeClr val="tx1"/>
+                      </a:solidFill>
+                      <a:prstDash val="solid"/>
+                      <a:round/>
+                      <a:headEnd type="none" w="med" len="med"/>
+                      <a:tailEnd type="none" w="med" len="med"/>
+                    </a:lnR>
+                    <a:lnT w="12700" cap="flat" cmpd="sng" algn="ctr">
+                      <a:solidFill>
+                        <a:schemeClr val="tx1"/>
+                      </a:solidFill>
+                      <a:prstDash val="solid"/>
+                      <a:round/>
+                      <a:headEnd type="none" w="med" len="med"/>
+                      <a:tailEnd type="none" w="med" len="med"/>
+                    </a:lnT>
+                    <a:lnB w="12700" cap="flat" cmpd="sng" algn="ctr">
+                      <a:solidFill>
+                        <a:schemeClr val="tx1"/>
+                      </a:solidFill>
+                      <a:prstDash val="solid"/>
+                      <a:round/>
+                      <a:headEnd type="none" w="med" len="med"/>
+                      <a:tailEnd type="none" w="med" len="med"/>
+                    </a:lnB>
+                    <a:solidFill>
+                      <a:srgbClr val="FFC000"/>
+                    </a:solidFill>
+                  </a:tcPr>
+                </a:tc>
+                <a:tc>
+                  <a:txBody>
+                    <a:bodyPr/>
+                    <a:lstStyle/>
+                    <a:p>
+                      <a:pPr marL="0" marR="0">
+                        <a:spcBef>
+                          <a:spcPts val="0"/>
+                        </a:spcBef>
+                        <a:spcAft>
+                          <a:spcPts val="0"/>
+                        </a:spcAft>
+                      </a:pPr>
+                      <a:endParaRPr lang="en-US" sz="1800" dirty="0">
+                        <a:solidFill>
+                          <a:schemeClr val="tx1"/>
+                        </a:solidFill>
+                        <a:effectLst/>
+                        <a:latin typeface="Calibri" panose="020F0502020204030204" pitchFamily="34" charset="0"/>
+                        <a:ea typeface="Calibri" panose="020F0502020204030204" pitchFamily="34" charset="0"/>
+                        <a:cs typeface="Times New Roman" panose="02020603050405020304" pitchFamily="18" charset="0"/>
+                      </a:endParaRPr>
+                    </a:p>
+                  </a:txBody>
+                  <a:tcPr marL="34673" marR="34673" marT="0" marB="0">
+                    <a:lnL w="12700" cap="flat" cmpd="sng" algn="ctr">
+                      <a:solidFill>
+                        <a:schemeClr val="tx1"/>
+                      </a:solidFill>
+                      <a:prstDash val="solid"/>
+                      <a:round/>
+                      <a:headEnd type="none" w="med" len="med"/>
+                      <a:tailEnd type="none" w="med" len="med"/>
+                    </a:lnL>
+                    <a:lnR w="12700" cap="flat" cmpd="sng" algn="ctr">
+                      <a:solidFill>
+                        <a:schemeClr val="tx1"/>
+                      </a:solidFill>
+                      <a:prstDash val="solid"/>
+                      <a:round/>
+                      <a:headEnd type="none" w="med" len="med"/>
+                      <a:tailEnd type="none" w="med" len="med"/>
+                    </a:lnR>
+                    <a:lnT w="12700" cap="flat" cmpd="sng" algn="ctr">
+                      <a:solidFill>
+                        <a:schemeClr val="tx1"/>
+                      </a:solidFill>
+                      <a:prstDash val="solid"/>
+                      <a:round/>
+                      <a:headEnd type="none" w="med" len="med"/>
+                      <a:tailEnd type="none" w="med" len="med"/>
+                    </a:lnT>
+                    <a:lnB w="12700" cap="flat" cmpd="sng" algn="ctr">
+                      <a:solidFill>
+                        <a:schemeClr val="tx1"/>
+                      </a:solidFill>
+                      <a:prstDash val="solid"/>
+                      <a:round/>
+                      <a:headEnd type="none" w="med" len="med"/>
+                      <a:tailEnd type="none" w="med" len="med"/>
+                    </a:lnB>
+                    <a:solidFill>
+                      <a:srgbClr val="FFC000"/>
+                    </a:solidFill>
+                  </a:tcPr>
+                </a:tc>
+                <a:tc>
+                  <a:txBody>
+                    <a:bodyPr/>
+                    <a:lstStyle/>
+                    <a:p>
+                      <a:pPr marL="0" marR="0">
+                        <a:spcBef>
+                          <a:spcPts val="0"/>
+                        </a:spcBef>
+                        <a:spcAft>
+                          <a:spcPts val="0"/>
+                        </a:spcAft>
+                      </a:pPr>
+                      <a:endParaRPr lang="en-US" sz="1800" dirty="0">
+                        <a:solidFill>
+                          <a:schemeClr val="tx1"/>
+                        </a:solidFill>
+                        <a:effectLst/>
+                        <a:latin typeface="Calibri" panose="020F0502020204030204" pitchFamily="34" charset="0"/>
+                        <a:ea typeface="Calibri" panose="020F0502020204030204" pitchFamily="34" charset="0"/>
+                        <a:cs typeface="Times New Roman" panose="02020603050405020304" pitchFamily="18" charset="0"/>
+                      </a:endParaRPr>
+                    </a:p>
+                  </a:txBody>
+                  <a:tcPr marL="34673" marR="34673" marT="0" marB="0">
+                    <a:lnL w="12700" cap="flat" cmpd="sng" algn="ctr">
+                      <a:solidFill>
+                        <a:schemeClr val="tx1"/>
+                      </a:solidFill>
+                      <a:prstDash val="solid"/>
+                      <a:round/>
+                      <a:headEnd type="none" w="med" len="med"/>
+                      <a:tailEnd type="none" w="med" len="med"/>
+                    </a:lnL>
+                    <a:lnR w="12700" cap="flat" cmpd="sng" algn="ctr">
+                      <a:solidFill>
+                        <a:schemeClr val="tx1"/>
+                      </a:solidFill>
+                      <a:prstDash val="solid"/>
+                      <a:round/>
+                      <a:headEnd type="none" w="med" len="med"/>
+                      <a:tailEnd type="none" w="med" len="med"/>
+                    </a:lnR>
+                    <a:lnT w="12700" cap="flat" cmpd="sng" algn="ctr">
+                      <a:solidFill>
+                        <a:schemeClr val="tx1"/>
+                      </a:solidFill>
+                      <a:prstDash val="solid"/>
+                      <a:round/>
+                      <a:headEnd type="none" w="med" len="med"/>
+                      <a:tailEnd type="none" w="med" len="med"/>
+                    </a:lnT>
+                    <a:lnB w="12700" cap="flat" cmpd="sng" algn="ctr">
+                      <a:solidFill>
+                        <a:schemeClr val="tx1"/>
+                      </a:solidFill>
+                      <a:prstDash val="solid"/>
+                      <a:round/>
+                      <a:headEnd type="none" w="med" len="med"/>
+                      <a:tailEnd type="none" w="med" len="med"/>
+                    </a:lnB>
+                    <a:solidFill>
+                      <a:srgbClr val="FFC000"/>
+                    </a:solidFill>
+                  </a:tcPr>
+                </a:tc>
+                <a:extLst>
+                  <a:ext uri="{0D108BD9-81ED-4DB2-BD59-A6C34878D82A}">
+                    <a16:rowId xmlns:a16="http://schemas.microsoft.com/office/drawing/2014/main" val="2364507170"/>
+                  </a:ext>
+                </a:extLst>
+              </a:tr>
+              <a:tr h="479425">
+                <a:tc>
+                  <a:txBody>
+                    <a:bodyPr/>
+                    <a:lstStyle/>
+                    <a:p>
+                      <a:pPr marL="0" marR="0">
+                        <a:spcBef>
+                          <a:spcPts val="0"/>
+                        </a:spcBef>
+                        <a:spcAft>
+                          <a:spcPts val="0"/>
+                        </a:spcAft>
+                      </a:pPr>
+                      <a:r>
+                        <a:rPr lang="en-US" sz="1800" b="0" dirty="0" err="1">
+                          <a:solidFill>
+                            <a:schemeClr val="tx1"/>
+                          </a:solidFill>
+                          <a:effectLst/>
+                          <a:latin typeface="Calibri" panose="020F0502020204030204" pitchFamily="34" charset="0"/>
+                          <a:ea typeface="Calibri" panose="020F0502020204030204" pitchFamily="34" charset="0"/>
+                          <a:cs typeface="Times New Roman" panose="02020603050405020304" pitchFamily="18" charset="0"/>
+                        </a:rPr>
+                        <a:t>Problema</a:t>
+                      </a:r>
+                      <a:r>
+                        <a:rPr lang="en-US" sz="1800" b="0" dirty="0">
+                          <a:solidFill>
+                            <a:schemeClr val="tx1"/>
+                          </a:solidFill>
+                          <a:effectLst/>
+                          <a:latin typeface="Calibri" panose="020F0502020204030204" pitchFamily="34" charset="0"/>
+                          <a:ea typeface="Calibri" panose="020F0502020204030204" pitchFamily="34" charset="0"/>
+                          <a:cs typeface="Times New Roman" panose="02020603050405020304" pitchFamily="18" charset="0"/>
+                        </a:rPr>
+                        <a:t>/</a:t>
+                      </a:r>
+                      <a:r>
+                        <a:rPr lang="en-US" sz="1800" b="0" dirty="0" err="1">
+                          <a:solidFill>
+                            <a:schemeClr val="tx1"/>
+                          </a:solidFill>
+                          <a:effectLst/>
+                          <a:latin typeface="Calibri" panose="020F0502020204030204" pitchFamily="34" charset="0"/>
+                          <a:ea typeface="Calibri" panose="020F0502020204030204" pitchFamily="34" charset="0"/>
+                          <a:cs typeface="Times New Roman" panose="02020603050405020304" pitchFamily="18" charset="0"/>
+                        </a:rPr>
+                        <a:t>objetivo</a:t>
+                      </a:r>
+                      <a:endParaRPr lang="en-US" sz="1800" b="0" dirty="0">
+                        <a:solidFill>
+                          <a:schemeClr val="tx1"/>
+                        </a:solidFill>
+                        <a:effectLst/>
+                        <a:latin typeface="Calibri" panose="020F0502020204030204" pitchFamily="34" charset="0"/>
+                        <a:ea typeface="Calibri" panose="020F0502020204030204" pitchFamily="34" charset="0"/>
+                        <a:cs typeface="Times New Roman" panose="02020603050405020304" pitchFamily="18" charset="0"/>
+                      </a:endParaRPr>
+                    </a:p>
+                  </a:txBody>
+                  <a:tcPr marL="34673" marR="34673" marT="0" marB="0">
+                    <a:lnL w="12700" cap="flat" cmpd="sng" algn="ctr">
+                      <a:solidFill>
+                        <a:schemeClr val="tx1"/>
+                      </a:solidFill>
+                      <a:prstDash val="solid"/>
+                      <a:round/>
+                      <a:headEnd type="none" w="med" len="med"/>
+                      <a:tailEnd type="none" w="med" len="med"/>
+                    </a:lnL>
+                    <a:lnR w="12700" cap="flat" cmpd="sng" algn="ctr">
+                      <a:solidFill>
+                        <a:schemeClr val="tx1"/>
+                      </a:solidFill>
+                      <a:prstDash val="solid"/>
+                      <a:round/>
+                      <a:headEnd type="none" w="med" len="med"/>
+                      <a:tailEnd type="none" w="med" len="med"/>
+                    </a:lnR>
+                    <a:lnT w="12700" cap="flat" cmpd="sng" algn="ctr">
+                      <a:solidFill>
+                        <a:schemeClr val="tx1"/>
+                      </a:solidFill>
+                      <a:prstDash val="solid"/>
+                      <a:round/>
+                      <a:headEnd type="none" w="med" len="med"/>
+                      <a:tailEnd type="none" w="med" len="med"/>
+                    </a:lnT>
+                    <a:lnB w="12700" cap="flat" cmpd="sng" algn="ctr">
+                      <a:solidFill>
+                        <a:schemeClr val="tx1"/>
+                      </a:solidFill>
+                      <a:prstDash val="solid"/>
+                      <a:round/>
+                      <a:headEnd type="none" w="med" len="med"/>
+                      <a:tailEnd type="none" w="med" len="med"/>
+                    </a:lnB>
+                    <a:noFill/>
+                  </a:tcPr>
+                </a:tc>
+                <a:tc>
+                  <a:txBody>
+                    <a:bodyPr/>
+                    <a:lstStyle/>
+                    <a:p>
+                      <a:pPr marL="0" marR="0">
+                        <a:spcBef>
+                          <a:spcPts val="0"/>
+                        </a:spcBef>
+                        <a:spcAft>
+                          <a:spcPts val="0"/>
+                        </a:spcAft>
+                      </a:pPr>
+                      <a:endParaRPr lang="en-US" sz="1800" dirty="0">
+                        <a:solidFill>
+                          <a:schemeClr val="tx1"/>
+                        </a:solidFill>
+                        <a:effectLst/>
+                        <a:latin typeface="Calibri" panose="020F0502020204030204" pitchFamily="34" charset="0"/>
+                        <a:ea typeface="Calibri" panose="020F0502020204030204" pitchFamily="34" charset="0"/>
+                        <a:cs typeface="Times New Roman" panose="02020603050405020304" pitchFamily="18" charset="0"/>
+                      </a:endParaRPr>
+                    </a:p>
+                  </a:txBody>
+                  <a:tcPr marL="34673" marR="34673" marT="0" marB="0">
+                    <a:lnL w="12700" cap="flat" cmpd="sng" algn="ctr">
+                      <a:solidFill>
+                        <a:schemeClr val="tx1"/>
+                      </a:solidFill>
+                      <a:prstDash val="solid"/>
+                      <a:round/>
+                      <a:headEnd type="none" w="med" len="med"/>
+                      <a:tailEnd type="none" w="med" len="med"/>
+                    </a:lnL>
+                    <a:lnR w="12700" cap="flat" cmpd="sng" algn="ctr">
+                      <a:solidFill>
+                        <a:schemeClr val="tx1"/>
+                      </a:solidFill>
+                      <a:prstDash val="solid"/>
+                      <a:round/>
+                      <a:headEnd type="none" w="med" len="med"/>
+                      <a:tailEnd type="none" w="med" len="med"/>
+                    </a:lnR>
+                    <a:lnT w="12700" cap="flat" cmpd="sng" algn="ctr">
+                      <a:solidFill>
+                        <a:schemeClr val="tx1"/>
+                      </a:solidFill>
+                      <a:prstDash val="solid"/>
+                      <a:round/>
+                      <a:headEnd type="none" w="med" len="med"/>
+                      <a:tailEnd type="none" w="med" len="med"/>
+                    </a:lnT>
+                    <a:lnB w="12700" cap="flat" cmpd="sng" algn="ctr">
+                      <a:solidFill>
+                        <a:schemeClr val="tx1"/>
+                      </a:solidFill>
+                      <a:prstDash val="solid"/>
+                      <a:round/>
+                      <a:headEnd type="none" w="med" len="med"/>
+                      <a:tailEnd type="none" w="med" len="med"/>
+                    </a:lnB>
+                    <a:noFill/>
+                  </a:tcPr>
+                </a:tc>
+                <a:tc>
+                  <a:txBody>
+                    <a:bodyPr/>
+                    <a:lstStyle/>
+                    <a:p>
+                      <a:pPr marL="0" marR="0">
+                        <a:spcBef>
+                          <a:spcPts val="0"/>
+                        </a:spcBef>
+                        <a:spcAft>
+                          <a:spcPts val="0"/>
+                        </a:spcAft>
+                      </a:pPr>
+                      <a:r>
+                        <a:rPr lang="en-US" sz="1800" dirty="0">
+                          <a:solidFill>
+                            <a:schemeClr val="tx1"/>
+                          </a:solidFill>
+                          <a:effectLst/>
+                          <a:latin typeface="Calibri" panose="020F0502020204030204" pitchFamily="34" charset="0"/>
+                          <a:ea typeface="Calibri" panose="020F0502020204030204" pitchFamily="34" charset="0"/>
+                          <a:cs typeface="Times New Roman" panose="02020603050405020304" pitchFamily="18" charset="0"/>
+                        </a:rPr>
+                        <a:t>5%</a:t>
+                      </a:r>
+                    </a:p>
+                  </a:txBody>
+                  <a:tcPr marL="34673" marR="34673" marT="0" marB="0">
+                    <a:lnL w="12700" cap="flat" cmpd="sng" algn="ctr">
+                      <a:solidFill>
+                        <a:schemeClr val="tx1"/>
+                      </a:solidFill>
+                      <a:prstDash val="solid"/>
+                      <a:round/>
+                      <a:headEnd type="none" w="med" len="med"/>
+                      <a:tailEnd type="none" w="med" len="med"/>
+                    </a:lnL>
+                    <a:lnR w="12700" cap="flat" cmpd="sng" algn="ctr">
+                      <a:solidFill>
+                        <a:schemeClr val="tx1"/>
+                      </a:solidFill>
+                      <a:prstDash val="solid"/>
+                      <a:round/>
+                      <a:headEnd type="none" w="med" len="med"/>
+                      <a:tailEnd type="none" w="med" len="med"/>
+                    </a:lnR>
+                    <a:lnT w="12700" cap="flat" cmpd="sng" algn="ctr">
+                      <a:solidFill>
+                        <a:schemeClr val="tx1"/>
+                      </a:solidFill>
+                      <a:prstDash val="solid"/>
+                      <a:round/>
+                      <a:headEnd type="none" w="med" len="med"/>
+                      <a:tailEnd type="none" w="med" len="med"/>
+                    </a:lnT>
+                    <a:lnB w="12700" cap="flat" cmpd="sng" algn="ctr">
+                      <a:solidFill>
+                        <a:schemeClr val="tx1"/>
+                      </a:solidFill>
+                      <a:prstDash val="solid"/>
+                      <a:round/>
+                      <a:headEnd type="none" w="med" len="med"/>
+                      <a:tailEnd type="none" w="med" len="med"/>
+                    </a:lnB>
+                    <a:noFill/>
+                  </a:tcPr>
+                </a:tc>
+                <a:extLst>
+                  <a:ext uri="{0D108BD9-81ED-4DB2-BD59-A6C34878D82A}">
+                    <a16:rowId xmlns:a16="http://schemas.microsoft.com/office/drawing/2014/main" val="2509813462"/>
+                  </a:ext>
+                </a:extLst>
+              </a:tr>
+              <a:tr h="479425">
+                <a:tc>
+                  <a:txBody>
+                    <a:bodyPr/>
+                    <a:lstStyle/>
+                    <a:p>
+                      <a:pPr marL="0" marR="0">
+                        <a:spcBef>
+                          <a:spcPts val="0"/>
+                        </a:spcBef>
+                        <a:spcAft>
+                          <a:spcPts val="0"/>
+                        </a:spcAft>
+                      </a:pPr>
+                      <a:r>
+                        <a:rPr lang="en-US" sz="1800" b="0" dirty="0" err="1">
+                          <a:solidFill>
+                            <a:schemeClr val="tx1"/>
+                          </a:solidFill>
+                          <a:effectLst/>
+                          <a:latin typeface="Calibri" panose="020F0502020204030204" pitchFamily="34" charset="0"/>
+                          <a:ea typeface="Calibri" panose="020F0502020204030204" pitchFamily="34" charset="0"/>
+                          <a:cs typeface="Times New Roman" panose="02020603050405020304" pitchFamily="18" charset="0"/>
+                        </a:rPr>
+                        <a:t>Método</a:t>
+                      </a:r>
+                      <a:endParaRPr lang="en-US" sz="1800" b="0" dirty="0">
+                        <a:solidFill>
+                          <a:schemeClr val="tx1"/>
+                        </a:solidFill>
+                        <a:effectLst/>
+                        <a:latin typeface="Calibri" panose="020F0502020204030204" pitchFamily="34" charset="0"/>
+                        <a:ea typeface="Calibri" panose="020F0502020204030204" pitchFamily="34" charset="0"/>
+                        <a:cs typeface="Times New Roman" panose="02020603050405020304" pitchFamily="18" charset="0"/>
+                      </a:endParaRPr>
+                    </a:p>
+                  </a:txBody>
+                  <a:tcPr marL="34673" marR="34673" marT="0" marB="0">
+                    <a:lnL w="12700" cap="flat" cmpd="sng" algn="ctr">
+                      <a:solidFill>
+                        <a:schemeClr val="tx1"/>
+                      </a:solidFill>
+                      <a:prstDash val="solid"/>
+                      <a:round/>
+                      <a:headEnd type="none" w="med" len="med"/>
+                      <a:tailEnd type="none" w="med" len="med"/>
+                    </a:lnL>
+                    <a:lnR w="12700" cap="flat" cmpd="sng" algn="ctr">
+                      <a:solidFill>
+                        <a:schemeClr val="tx1"/>
+                      </a:solidFill>
+                      <a:prstDash val="solid"/>
+                      <a:round/>
+                      <a:headEnd type="none" w="med" len="med"/>
+                      <a:tailEnd type="none" w="med" len="med"/>
+                    </a:lnR>
+                    <a:lnT w="12700" cap="flat" cmpd="sng" algn="ctr">
+                      <a:solidFill>
+                        <a:schemeClr val="tx1"/>
+                      </a:solidFill>
+                      <a:prstDash val="solid"/>
+                      <a:round/>
+                      <a:headEnd type="none" w="med" len="med"/>
+                      <a:tailEnd type="none" w="med" len="med"/>
+                    </a:lnT>
+                    <a:lnB w="12700" cap="flat" cmpd="sng" algn="ctr">
+                      <a:solidFill>
+                        <a:schemeClr val="tx1"/>
+                      </a:solidFill>
+                      <a:prstDash val="solid"/>
+                      <a:round/>
+                      <a:headEnd type="none" w="med" len="med"/>
+                      <a:tailEnd type="none" w="med" len="med"/>
+                    </a:lnB>
+                    <a:solidFill>
+                      <a:srgbClr val="FFC000"/>
+                    </a:solidFill>
+                  </a:tcPr>
+                </a:tc>
+                <a:tc>
+                  <a:txBody>
+                    <a:bodyPr/>
+                    <a:lstStyle/>
+                    <a:p>
+                      <a:pPr marL="0" marR="0">
+                        <a:spcBef>
+                          <a:spcPts val="0"/>
+                        </a:spcBef>
+                        <a:spcAft>
+                          <a:spcPts val="0"/>
+                        </a:spcAft>
+                      </a:pPr>
+                      <a:endParaRPr lang="en-US" sz="1800" dirty="0">
+                        <a:solidFill>
+                          <a:schemeClr val="tx1"/>
+                        </a:solidFill>
+                        <a:effectLst/>
+                        <a:latin typeface="Calibri" panose="020F0502020204030204" pitchFamily="34" charset="0"/>
+                        <a:ea typeface="Calibri" panose="020F0502020204030204" pitchFamily="34" charset="0"/>
+                        <a:cs typeface="Times New Roman" panose="02020603050405020304" pitchFamily="18" charset="0"/>
+                      </a:endParaRPr>
+                    </a:p>
+                  </a:txBody>
+                  <a:tcPr marL="34673" marR="34673" marT="0" marB="0">
+                    <a:lnL w="12700" cap="flat" cmpd="sng" algn="ctr">
+                      <a:solidFill>
+                        <a:schemeClr val="tx1"/>
+                      </a:solidFill>
+                      <a:prstDash val="solid"/>
+                      <a:round/>
+                      <a:headEnd type="none" w="med" len="med"/>
+                      <a:tailEnd type="none" w="med" len="med"/>
+                    </a:lnL>
+                    <a:lnR w="12700" cap="flat" cmpd="sng" algn="ctr">
+                      <a:solidFill>
+                        <a:schemeClr val="tx1"/>
+                      </a:solidFill>
+                      <a:prstDash val="solid"/>
+                      <a:round/>
+                      <a:headEnd type="none" w="med" len="med"/>
+                      <a:tailEnd type="none" w="med" len="med"/>
+                    </a:lnR>
+                    <a:lnT w="12700" cap="flat" cmpd="sng" algn="ctr">
+                      <a:solidFill>
+                        <a:schemeClr val="tx1"/>
+                      </a:solidFill>
+                      <a:prstDash val="solid"/>
+                      <a:round/>
+                      <a:headEnd type="none" w="med" len="med"/>
+                      <a:tailEnd type="none" w="med" len="med"/>
+                    </a:lnT>
+                    <a:lnB w="12700" cap="flat" cmpd="sng" algn="ctr">
+                      <a:solidFill>
+                        <a:schemeClr val="tx1"/>
+                      </a:solidFill>
+                      <a:prstDash val="solid"/>
+                      <a:round/>
+                      <a:headEnd type="none" w="med" len="med"/>
+                      <a:tailEnd type="none" w="med" len="med"/>
+                    </a:lnB>
+                    <a:solidFill>
+                      <a:srgbClr val="FFC000"/>
+                    </a:solidFill>
+                  </a:tcPr>
+                </a:tc>
+                <a:tc>
+                  <a:txBody>
+                    <a:bodyPr/>
+                    <a:lstStyle/>
+                    <a:p>
+                      <a:pPr marL="0" marR="0">
+                        <a:spcBef>
+                          <a:spcPts val="0"/>
+                        </a:spcBef>
+                        <a:spcAft>
+                          <a:spcPts val="0"/>
+                        </a:spcAft>
+                      </a:pPr>
+                      <a:r>
+                        <a:rPr lang="en-US" sz="1800" dirty="0">
+                          <a:solidFill>
+                            <a:schemeClr val="tx1"/>
+                          </a:solidFill>
+                          <a:effectLst/>
+                          <a:latin typeface="Calibri" panose="020F0502020204030204" pitchFamily="34" charset="0"/>
+                          <a:ea typeface="Calibri" panose="020F0502020204030204" pitchFamily="34" charset="0"/>
+                          <a:cs typeface="Times New Roman" panose="02020603050405020304" pitchFamily="18" charset="0"/>
+                        </a:rPr>
+                        <a:t>5%</a:t>
+                      </a:r>
+                    </a:p>
+                  </a:txBody>
+                  <a:tcPr marL="34673" marR="34673" marT="0" marB="0">
+                    <a:lnL w="12700" cap="flat" cmpd="sng" algn="ctr">
+                      <a:solidFill>
+                        <a:schemeClr val="tx1"/>
+                      </a:solidFill>
+                      <a:prstDash val="solid"/>
+                      <a:round/>
+                      <a:headEnd type="none" w="med" len="med"/>
+                      <a:tailEnd type="none" w="med" len="med"/>
+                    </a:lnL>
+                    <a:lnR w="12700" cap="flat" cmpd="sng" algn="ctr">
+                      <a:solidFill>
+                        <a:schemeClr val="tx1"/>
+                      </a:solidFill>
+                      <a:prstDash val="solid"/>
+                      <a:round/>
+                      <a:headEnd type="none" w="med" len="med"/>
+                      <a:tailEnd type="none" w="med" len="med"/>
+                    </a:lnR>
+                    <a:lnT w="12700" cap="flat" cmpd="sng" algn="ctr">
+                      <a:solidFill>
+                        <a:schemeClr val="tx1"/>
+                      </a:solidFill>
+                      <a:prstDash val="solid"/>
+                      <a:round/>
+                      <a:headEnd type="none" w="med" len="med"/>
+                      <a:tailEnd type="none" w="med" len="med"/>
+                    </a:lnT>
+                    <a:lnB w="12700" cap="flat" cmpd="sng" algn="ctr">
+                      <a:solidFill>
+                        <a:schemeClr val="tx1"/>
+                      </a:solidFill>
+                      <a:prstDash val="solid"/>
+                      <a:round/>
+                      <a:headEnd type="none" w="med" len="med"/>
+                      <a:tailEnd type="none" w="med" len="med"/>
+                    </a:lnB>
+                    <a:solidFill>
+                      <a:srgbClr val="FFC000"/>
+                    </a:solidFill>
+                  </a:tcPr>
+                </a:tc>
+                <a:extLst>
+                  <a:ext uri="{0D108BD9-81ED-4DB2-BD59-A6C34878D82A}">
+                    <a16:rowId xmlns:a16="http://schemas.microsoft.com/office/drawing/2014/main" val="1432815250"/>
+                  </a:ext>
+                </a:extLst>
+              </a:tr>
+              <a:tr h="383541">
+                <a:tc>
+                  <a:txBody>
+                    <a:bodyPr/>
+                    <a:lstStyle/>
+                    <a:p>
+                      <a:pPr marL="0" marR="0">
+                        <a:spcBef>
+                          <a:spcPts val="0"/>
+                        </a:spcBef>
+                        <a:spcAft>
+                          <a:spcPts val="0"/>
+                        </a:spcAft>
+                      </a:pPr>
+                      <a:r>
+                        <a:rPr lang="en-US" sz="1800" b="0" dirty="0" err="1">
+                          <a:solidFill>
+                            <a:schemeClr val="tx1"/>
+                          </a:solidFill>
+                          <a:effectLst/>
+                          <a:latin typeface="Calibri" panose="020F0502020204030204" pitchFamily="34" charset="0"/>
+                          <a:ea typeface="Calibri" panose="020F0502020204030204" pitchFamily="34" charset="0"/>
+                          <a:cs typeface="Times New Roman" panose="02020603050405020304" pitchFamily="18" charset="0"/>
+                        </a:rPr>
+                        <a:t>Trabalhos</a:t>
+                      </a:r>
+                      <a:r>
+                        <a:rPr lang="en-US" sz="1800" b="0" dirty="0">
+                          <a:solidFill>
+                            <a:schemeClr val="tx1"/>
+                          </a:solidFill>
+                          <a:effectLst/>
+                          <a:latin typeface="Calibri" panose="020F0502020204030204" pitchFamily="34" charset="0"/>
+                          <a:ea typeface="Calibri" panose="020F0502020204030204" pitchFamily="34" charset="0"/>
+                          <a:cs typeface="Times New Roman" panose="02020603050405020304" pitchFamily="18" charset="0"/>
+                        </a:rPr>
+                        <a:t> </a:t>
+                      </a:r>
+                      <a:r>
+                        <a:rPr lang="en-US" sz="1800" b="0" dirty="0" err="1">
+                          <a:solidFill>
+                            <a:schemeClr val="tx1"/>
+                          </a:solidFill>
+                          <a:effectLst/>
+                          <a:latin typeface="Calibri" panose="020F0502020204030204" pitchFamily="34" charset="0"/>
+                          <a:ea typeface="Calibri" panose="020F0502020204030204" pitchFamily="34" charset="0"/>
+                          <a:cs typeface="Times New Roman" panose="02020603050405020304" pitchFamily="18" charset="0"/>
+                        </a:rPr>
+                        <a:t>relacionados</a:t>
+                      </a:r>
+                      <a:endParaRPr lang="en-US" sz="1800" b="0" dirty="0">
+                        <a:solidFill>
+                          <a:schemeClr val="tx1"/>
+                        </a:solidFill>
+                        <a:effectLst/>
+                        <a:latin typeface="Calibri" panose="020F0502020204030204" pitchFamily="34" charset="0"/>
+                        <a:ea typeface="Calibri" panose="020F0502020204030204" pitchFamily="34" charset="0"/>
+                        <a:cs typeface="Times New Roman" panose="02020603050405020304" pitchFamily="18" charset="0"/>
+                      </a:endParaRPr>
+                    </a:p>
+                  </a:txBody>
+                  <a:tcPr marL="34673" marR="34673" marT="0" marB="0">
+                    <a:lnL w="12700" cap="flat" cmpd="sng" algn="ctr">
+                      <a:solidFill>
+                        <a:schemeClr val="tx1"/>
+                      </a:solidFill>
+                      <a:prstDash val="solid"/>
+                      <a:round/>
+                      <a:headEnd type="none" w="med" len="med"/>
+                      <a:tailEnd type="none" w="med" len="med"/>
+                    </a:lnL>
+                    <a:lnR w="12700" cap="flat" cmpd="sng" algn="ctr">
+                      <a:solidFill>
+                        <a:schemeClr val="tx1"/>
+                      </a:solidFill>
+                      <a:prstDash val="solid"/>
+                      <a:round/>
+                      <a:headEnd type="none" w="med" len="med"/>
+                      <a:tailEnd type="none" w="med" len="med"/>
+                    </a:lnR>
+                    <a:lnT w="12700" cap="flat" cmpd="sng" algn="ctr">
+                      <a:solidFill>
+                        <a:schemeClr val="tx1"/>
+                      </a:solidFill>
+                      <a:prstDash val="solid"/>
+                      <a:round/>
+                      <a:headEnd type="none" w="med" len="med"/>
+                      <a:tailEnd type="none" w="med" len="med"/>
+                    </a:lnT>
+                    <a:lnB w="12700" cap="flat" cmpd="sng" algn="ctr">
+                      <a:solidFill>
+                        <a:schemeClr val="tx1"/>
+                      </a:solidFill>
+                      <a:prstDash val="solid"/>
+                      <a:round/>
+                      <a:headEnd type="none" w="med" len="med"/>
+                      <a:tailEnd type="none" w="med" len="med"/>
+                    </a:lnB>
+                    <a:noFill/>
+                  </a:tcPr>
+                </a:tc>
+                <a:tc>
+                  <a:txBody>
+                    <a:bodyPr/>
+                    <a:lstStyle/>
+                    <a:p>
+                      <a:pPr marL="0" marR="0">
+                        <a:spcBef>
+                          <a:spcPts val="0"/>
+                        </a:spcBef>
+                        <a:spcAft>
+                          <a:spcPts val="0"/>
+                        </a:spcAft>
+                      </a:pPr>
+                      <a:endParaRPr lang="en-US" sz="1800" dirty="0">
+                        <a:solidFill>
+                          <a:schemeClr val="tx1"/>
+                        </a:solidFill>
+                        <a:effectLst/>
+                        <a:latin typeface="Calibri" panose="020F0502020204030204" pitchFamily="34" charset="0"/>
+                        <a:ea typeface="Calibri" panose="020F0502020204030204" pitchFamily="34" charset="0"/>
+                        <a:cs typeface="Times New Roman" panose="02020603050405020304" pitchFamily="18" charset="0"/>
+                      </a:endParaRPr>
+                    </a:p>
+                  </a:txBody>
+                  <a:tcPr marL="34673" marR="34673" marT="0" marB="0">
+                    <a:lnL w="12700" cap="flat" cmpd="sng" algn="ctr">
+                      <a:solidFill>
+                        <a:schemeClr val="tx1"/>
+                      </a:solidFill>
+                      <a:prstDash val="solid"/>
+                      <a:round/>
+                      <a:headEnd type="none" w="med" len="med"/>
+                      <a:tailEnd type="none" w="med" len="med"/>
+                    </a:lnL>
+                    <a:lnR w="12700" cap="flat" cmpd="sng" algn="ctr">
+                      <a:solidFill>
+                        <a:schemeClr val="tx1"/>
+                      </a:solidFill>
+                      <a:prstDash val="solid"/>
+                      <a:round/>
+                      <a:headEnd type="none" w="med" len="med"/>
+                      <a:tailEnd type="none" w="med" len="med"/>
+                    </a:lnR>
+                    <a:lnT w="12700" cap="flat" cmpd="sng" algn="ctr">
+                      <a:solidFill>
+                        <a:schemeClr val="tx1"/>
+                      </a:solidFill>
+                      <a:prstDash val="solid"/>
+                      <a:round/>
+                      <a:headEnd type="none" w="med" len="med"/>
+                      <a:tailEnd type="none" w="med" len="med"/>
+                    </a:lnT>
+                    <a:lnB w="12700" cap="flat" cmpd="sng" algn="ctr">
+                      <a:solidFill>
+                        <a:schemeClr val="tx1"/>
+                      </a:solidFill>
+                      <a:prstDash val="solid"/>
+                      <a:round/>
+                      <a:headEnd type="none" w="med" len="med"/>
+                      <a:tailEnd type="none" w="med" len="med"/>
+                    </a:lnB>
+                    <a:noFill/>
+                  </a:tcPr>
+                </a:tc>
+                <a:tc>
+                  <a:txBody>
+                    <a:bodyPr/>
+                    <a:lstStyle/>
+                    <a:p>
+                      <a:pPr marL="0" marR="0">
+                        <a:spcBef>
+                          <a:spcPts val="0"/>
+                        </a:spcBef>
+                        <a:spcAft>
+                          <a:spcPts val="0"/>
+                        </a:spcAft>
+                      </a:pPr>
+                      <a:r>
+                        <a:rPr lang="en-US" sz="1800" dirty="0">
+                          <a:solidFill>
+                            <a:schemeClr val="tx1"/>
+                          </a:solidFill>
+                          <a:effectLst/>
+                          <a:latin typeface="Calibri" panose="020F0502020204030204" pitchFamily="34" charset="0"/>
+                          <a:ea typeface="Calibri" panose="020F0502020204030204" pitchFamily="34" charset="0"/>
+                          <a:cs typeface="Times New Roman" panose="02020603050405020304" pitchFamily="18" charset="0"/>
+                        </a:rPr>
+                        <a:t>5%</a:t>
+                      </a:r>
+                    </a:p>
+                  </a:txBody>
+                  <a:tcPr marL="34673" marR="34673" marT="0" marB="0">
+                    <a:lnL w="12700" cap="flat" cmpd="sng" algn="ctr">
+                      <a:solidFill>
+                        <a:schemeClr val="tx1"/>
+                      </a:solidFill>
+                      <a:prstDash val="solid"/>
+                      <a:round/>
+                      <a:headEnd type="none" w="med" len="med"/>
+                      <a:tailEnd type="none" w="med" len="med"/>
+                    </a:lnL>
+                    <a:lnR w="12700" cap="flat" cmpd="sng" algn="ctr">
+                      <a:solidFill>
+                        <a:schemeClr val="tx1"/>
+                      </a:solidFill>
+                      <a:prstDash val="solid"/>
+                      <a:round/>
+                      <a:headEnd type="none" w="med" len="med"/>
+                      <a:tailEnd type="none" w="med" len="med"/>
+                    </a:lnR>
+                    <a:lnT w="12700" cap="flat" cmpd="sng" algn="ctr">
+                      <a:solidFill>
+                        <a:schemeClr val="tx1"/>
+                      </a:solidFill>
+                      <a:prstDash val="solid"/>
+                      <a:round/>
+                      <a:headEnd type="none" w="med" len="med"/>
+                      <a:tailEnd type="none" w="med" len="med"/>
+                    </a:lnT>
+                    <a:lnB w="12700" cap="flat" cmpd="sng" algn="ctr">
+                      <a:solidFill>
+                        <a:schemeClr val="tx1"/>
+                      </a:solidFill>
+                      <a:prstDash val="solid"/>
+                      <a:round/>
+                      <a:headEnd type="none" w="med" len="med"/>
+                      <a:tailEnd type="none" w="med" len="med"/>
+                    </a:lnB>
+                    <a:noFill/>
+                  </a:tcPr>
+                </a:tc>
+                <a:extLst>
+                  <a:ext uri="{0D108BD9-81ED-4DB2-BD59-A6C34878D82A}">
+                    <a16:rowId xmlns:a16="http://schemas.microsoft.com/office/drawing/2014/main" val="2735399775"/>
+                  </a:ext>
+                </a:extLst>
+              </a:tr>
+              <a:tr h="479425">
+                <a:tc>
+                  <a:txBody>
+                    <a:bodyPr/>
+                    <a:lstStyle/>
+                    <a:p>
+                      <a:pPr marL="0" marR="0" algn="l" defTabSz="914377" rtl="0" eaLnBrk="1" latinLnBrk="0" hangingPunct="1">
+                        <a:spcBef>
+                          <a:spcPts val="0"/>
+                        </a:spcBef>
+                        <a:spcAft>
+                          <a:spcPts val="0"/>
+                        </a:spcAft>
+                      </a:pPr>
+                      <a:r>
+                        <a:rPr lang="en-US" sz="1800" b="0" kern="1200" dirty="0" err="1">
+                          <a:solidFill>
+                            <a:schemeClr val="tx1"/>
+                          </a:solidFill>
+                          <a:effectLst/>
+                          <a:latin typeface="+mn-lt"/>
+                          <a:ea typeface="+mn-ea"/>
+                          <a:cs typeface="+mn-cs"/>
+                        </a:rPr>
+                        <a:t>Entrega</a:t>
+                      </a:r>
+                      <a:r>
+                        <a:rPr lang="en-US" sz="1800" b="0" kern="1200" dirty="0">
+                          <a:solidFill>
+                            <a:schemeClr val="tx1"/>
+                          </a:solidFill>
+                          <a:effectLst/>
+                          <a:latin typeface="+mn-lt"/>
+                          <a:ea typeface="+mn-ea"/>
+                          <a:cs typeface="+mn-cs"/>
+                        </a:rPr>
+                        <a:t> </a:t>
+                      </a:r>
+                      <a:r>
+                        <a:rPr lang="en-US" sz="1800" b="0" kern="1200" dirty="0" err="1">
+                          <a:solidFill>
+                            <a:schemeClr val="tx1"/>
+                          </a:solidFill>
+                          <a:effectLst/>
+                          <a:latin typeface="+mn-lt"/>
+                          <a:ea typeface="+mn-ea"/>
+                          <a:cs typeface="+mn-cs"/>
+                        </a:rPr>
+                        <a:t>preliminar</a:t>
+                      </a:r>
+                      <a:endParaRPr lang="en-US" sz="1800" b="0" kern="1200" dirty="0">
+                        <a:solidFill>
+                          <a:schemeClr val="tx1"/>
+                        </a:solidFill>
+                        <a:effectLst/>
+                        <a:latin typeface="+mn-lt"/>
+                        <a:ea typeface="+mn-ea"/>
+                        <a:cs typeface="+mn-cs"/>
+                      </a:endParaRPr>
+                    </a:p>
+                  </a:txBody>
+                  <a:tcPr marL="34673" marR="34673" marT="0" marB="0">
+                    <a:lnL w="12700" cap="flat" cmpd="sng" algn="ctr">
+                      <a:solidFill>
+                        <a:schemeClr val="tx1"/>
+                      </a:solidFill>
+                      <a:prstDash val="solid"/>
+                      <a:round/>
+                      <a:headEnd type="none" w="med" len="med"/>
+                      <a:tailEnd type="none" w="med" len="med"/>
+                    </a:lnL>
+                    <a:lnR w="12700" cap="flat" cmpd="sng" algn="ctr">
+                      <a:solidFill>
+                        <a:schemeClr val="tx1"/>
+                      </a:solidFill>
+                      <a:prstDash val="solid"/>
+                      <a:round/>
+                      <a:headEnd type="none" w="med" len="med"/>
+                      <a:tailEnd type="none" w="med" len="med"/>
+                    </a:lnR>
+                    <a:lnT w="12700" cap="flat" cmpd="sng" algn="ctr">
+                      <a:solidFill>
+                        <a:schemeClr val="tx1"/>
+                      </a:solidFill>
+                      <a:prstDash val="solid"/>
+                      <a:round/>
+                      <a:headEnd type="none" w="med" len="med"/>
+                      <a:tailEnd type="none" w="med" len="med"/>
+                    </a:lnT>
+                    <a:lnB w="12700" cap="flat" cmpd="sng" algn="ctr">
+                      <a:solidFill>
+                        <a:schemeClr val="tx1"/>
+                      </a:solidFill>
+                      <a:prstDash val="solid"/>
+                      <a:round/>
+                      <a:headEnd type="none" w="med" len="med"/>
+                      <a:tailEnd type="none" w="med" len="med"/>
+                    </a:lnB>
+                    <a:solidFill>
+                      <a:srgbClr val="FEC100"/>
+                    </a:solidFill>
+                  </a:tcPr>
+                </a:tc>
+                <a:tc>
+                  <a:txBody>
+                    <a:bodyPr/>
+                    <a:lstStyle/>
+                    <a:p>
+                      <a:pPr marL="0" marR="0" algn="l" defTabSz="914377" rtl="0" eaLnBrk="1" latinLnBrk="0" hangingPunct="1">
+                        <a:spcBef>
+                          <a:spcPts val="0"/>
+                        </a:spcBef>
+                        <a:spcAft>
+                          <a:spcPts val="0"/>
+                        </a:spcAft>
+                      </a:pPr>
+                      <a:endParaRPr lang="en-US" sz="1800" b="0" kern="1200" dirty="0">
+                        <a:solidFill>
+                          <a:schemeClr val="tx1"/>
+                        </a:solidFill>
+                        <a:effectLst/>
+                        <a:latin typeface="+mn-lt"/>
+                        <a:ea typeface="+mn-ea"/>
+                        <a:cs typeface="+mn-cs"/>
+                      </a:endParaRPr>
+                    </a:p>
+                  </a:txBody>
+                  <a:tcPr marL="34673" marR="34673" marT="0" marB="0">
+                    <a:lnL w="12700" cap="flat" cmpd="sng" algn="ctr">
+                      <a:solidFill>
+                        <a:schemeClr val="tx1"/>
+                      </a:solidFill>
+                      <a:prstDash val="solid"/>
+                      <a:round/>
+                      <a:headEnd type="none" w="med" len="med"/>
+                      <a:tailEnd type="none" w="med" len="med"/>
+                    </a:lnL>
+                    <a:lnR w="12700" cap="flat" cmpd="sng" algn="ctr">
+                      <a:solidFill>
+                        <a:schemeClr val="tx1"/>
+                      </a:solidFill>
+                      <a:prstDash val="solid"/>
+                      <a:round/>
+                      <a:headEnd type="none" w="med" len="med"/>
+                      <a:tailEnd type="none" w="med" len="med"/>
+                    </a:lnR>
+                    <a:lnT w="12700" cap="flat" cmpd="sng" algn="ctr">
+                      <a:solidFill>
+                        <a:schemeClr val="tx1"/>
+                      </a:solidFill>
+                      <a:prstDash val="solid"/>
+                      <a:round/>
+                      <a:headEnd type="none" w="med" len="med"/>
+                      <a:tailEnd type="none" w="med" len="med"/>
+                    </a:lnT>
+                    <a:lnB w="12700" cap="flat" cmpd="sng" algn="ctr">
+                      <a:solidFill>
+                        <a:schemeClr val="tx1"/>
+                      </a:solidFill>
+                      <a:prstDash val="solid"/>
+                      <a:round/>
+                      <a:headEnd type="none" w="med" len="med"/>
+                      <a:tailEnd type="none" w="med" len="med"/>
+                    </a:lnB>
+                    <a:solidFill>
+                      <a:srgbClr val="FEC100"/>
+                    </a:solidFill>
+                  </a:tcPr>
+                </a:tc>
+                <a:tc>
+                  <a:txBody>
+                    <a:bodyPr/>
+                    <a:lstStyle/>
+                    <a:p>
+                      <a:pPr marL="0" marR="0" algn="l" defTabSz="914377" rtl="0" eaLnBrk="1" latinLnBrk="0" hangingPunct="1">
+                        <a:spcBef>
+                          <a:spcPts val="0"/>
+                        </a:spcBef>
+                        <a:spcAft>
+                          <a:spcPts val="0"/>
+                        </a:spcAft>
+                      </a:pPr>
+                      <a:r>
+                        <a:rPr lang="en-US" sz="1800" b="0" kern="1200" dirty="0">
+                          <a:solidFill>
+                            <a:schemeClr val="tx1"/>
+                          </a:solidFill>
+                          <a:effectLst/>
+                          <a:latin typeface="+mn-lt"/>
+                          <a:ea typeface="+mn-ea"/>
+                          <a:cs typeface="+mn-cs"/>
+                        </a:rPr>
+                        <a:t>5%</a:t>
+                      </a:r>
+                    </a:p>
+                  </a:txBody>
+                  <a:tcPr marL="34673" marR="34673" marT="0" marB="0">
+                    <a:lnL w="12700" cap="flat" cmpd="sng" algn="ctr">
+                      <a:solidFill>
+                        <a:schemeClr val="tx1"/>
+                      </a:solidFill>
+                      <a:prstDash val="solid"/>
+                      <a:round/>
+                      <a:headEnd type="none" w="med" len="med"/>
+                      <a:tailEnd type="none" w="med" len="med"/>
+                    </a:lnL>
+                    <a:lnR w="12700" cap="flat" cmpd="sng" algn="ctr">
+                      <a:solidFill>
+                        <a:schemeClr val="tx1"/>
+                      </a:solidFill>
+                      <a:prstDash val="solid"/>
+                      <a:round/>
+                      <a:headEnd type="none" w="med" len="med"/>
+                      <a:tailEnd type="none" w="med" len="med"/>
+                    </a:lnR>
+                    <a:lnT w="12700" cap="flat" cmpd="sng" algn="ctr">
+                      <a:solidFill>
+                        <a:schemeClr val="tx1"/>
+                      </a:solidFill>
+                      <a:prstDash val="solid"/>
+                      <a:round/>
+                      <a:headEnd type="none" w="med" len="med"/>
+                      <a:tailEnd type="none" w="med" len="med"/>
+                    </a:lnT>
+                    <a:lnB w="12700" cap="flat" cmpd="sng" algn="ctr">
+                      <a:solidFill>
+                        <a:schemeClr val="tx1"/>
+                      </a:solidFill>
+                      <a:prstDash val="solid"/>
+                      <a:round/>
+                      <a:headEnd type="none" w="med" len="med"/>
+                      <a:tailEnd type="none" w="med" len="med"/>
+                    </a:lnB>
+                    <a:solidFill>
+                      <a:srgbClr val="FEC100"/>
+                    </a:solidFill>
+                  </a:tcPr>
+                </a:tc>
+                <a:extLst>
+                  <a:ext uri="{0D108BD9-81ED-4DB2-BD59-A6C34878D82A}">
+                    <a16:rowId xmlns:a16="http://schemas.microsoft.com/office/drawing/2014/main" val="661763097"/>
+                  </a:ext>
+                </a:extLst>
+              </a:tr>
+              <a:tr h="479425">
+                <a:tc>
+                  <a:txBody>
+                    <a:bodyPr/>
+                    <a:lstStyle/>
+                    <a:p>
+                      <a:pPr marL="0" marR="0" algn="l" defTabSz="914377" rtl="0" eaLnBrk="1" latinLnBrk="0" hangingPunct="1">
+                        <a:spcBef>
+                          <a:spcPts val="0"/>
+                        </a:spcBef>
+                        <a:spcAft>
+                          <a:spcPts val="0"/>
+                        </a:spcAft>
+                      </a:pPr>
+                      <a:r>
+                        <a:rPr lang="en-US" sz="1800" b="0" kern="1200" dirty="0" err="1">
+                          <a:solidFill>
+                            <a:schemeClr val="tx1"/>
+                          </a:solidFill>
+                          <a:effectLst/>
+                          <a:latin typeface="+mn-lt"/>
+                          <a:ea typeface="+mn-ea"/>
+                          <a:cs typeface="+mn-cs"/>
+                        </a:rPr>
+                        <a:t>Artigo</a:t>
+                      </a:r>
+                      <a:r>
+                        <a:rPr lang="en-US" sz="1800" b="0" kern="1200" dirty="0">
+                          <a:solidFill>
+                            <a:schemeClr val="tx1"/>
+                          </a:solidFill>
+                          <a:effectLst/>
+                          <a:latin typeface="+mn-lt"/>
+                          <a:ea typeface="+mn-ea"/>
+                          <a:cs typeface="+mn-cs"/>
+                        </a:rPr>
+                        <a:t> final </a:t>
+                      </a:r>
+                    </a:p>
+                  </a:txBody>
+                  <a:tcPr marL="68580" marR="68580" marT="0" marB="0">
+                    <a:lnL w="12700" cap="flat" cmpd="sng" algn="ctr">
+                      <a:solidFill>
+                        <a:schemeClr val="tx1"/>
+                      </a:solidFill>
+                      <a:prstDash val="solid"/>
+                      <a:round/>
+                      <a:headEnd type="none" w="med" len="med"/>
+                      <a:tailEnd type="none" w="med" len="med"/>
+                    </a:lnL>
+                    <a:lnR w="12700" cap="flat" cmpd="sng" algn="ctr">
+                      <a:solidFill>
+                        <a:schemeClr val="tx1"/>
+                      </a:solidFill>
+                      <a:prstDash val="solid"/>
+                      <a:round/>
+                      <a:headEnd type="none" w="med" len="med"/>
+                      <a:tailEnd type="none" w="med" len="med"/>
+                    </a:lnR>
+                    <a:lnT w="12700" cap="flat" cmpd="sng" algn="ctr">
+                      <a:solidFill>
+                        <a:schemeClr val="tx1"/>
+                      </a:solidFill>
+                      <a:prstDash val="solid"/>
+                      <a:round/>
+                      <a:headEnd type="none" w="med" len="med"/>
+                      <a:tailEnd type="none" w="med" len="med"/>
+                    </a:lnT>
+                    <a:lnB w="12700" cap="flat" cmpd="sng" algn="ctr">
+                      <a:solidFill>
+                        <a:schemeClr val="tx1"/>
+                      </a:solidFill>
+                      <a:prstDash val="solid"/>
+                      <a:round/>
+                      <a:headEnd type="none" w="med" len="med"/>
+                      <a:tailEnd type="none" w="med" len="med"/>
+                    </a:lnB>
+                    <a:noFill/>
+                  </a:tcPr>
+                </a:tc>
+                <a:tc>
+                  <a:txBody>
+                    <a:bodyPr/>
+                    <a:lstStyle/>
+                    <a:p>
+                      <a:pPr marL="0" marR="0" algn="l" defTabSz="914377" rtl="0" eaLnBrk="1" latinLnBrk="0" hangingPunct="1">
+                        <a:spcBef>
+                          <a:spcPts val="0"/>
+                        </a:spcBef>
+                        <a:spcAft>
+                          <a:spcPts val="0"/>
+                        </a:spcAft>
+                      </a:pPr>
+                      <a:endParaRPr lang="en-US" sz="1800" b="0" kern="1200" dirty="0">
+                        <a:solidFill>
+                          <a:schemeClr val="tx1"/>
+                        </a:solidFill>
+                        <a:effectLst/>
+                        <a:latin typeface="+mn-lt"/>
+                        <a:ea typeface="+mn-ea"/>
+                        <a:cs typeface="+mn-cs"/>
+                      </a:endParaRPr>
+                    </a:p>
+                  </a:txBody>
+                  <a:tcPr marL="68580" marR="68580" marT="0" marB="0">
+                    <a:lnL w="12700" cap="flat" cmpd="sng" algn="ctr">
+                      <a:solidFill>
+                        <a:schemeClr val="tx1"/>
+                      </a:solidFill>
+                      <a:prstDash val="solid"/>
+                      <a:round/>
+                      <a:headEnd type="none" w="med" len="med"/>
+                      <a:tailEnd type="none" w="med" len="med"/>
+                    </a:lnL>
+                    <a:lnR w="12700" cap="flat" cmpd="sng" algn="ctr">
+                      <a:solidFill>
+                        <a:schemeClr val="tx1"/>
+                      </a:solidFill>
+                      <a:prstDash val="solid"/>
+                      <a:round/>
+                      <a:headEnd type="none" w="med" len="med"/>
+                      <a:tailEnd type="none" w="med" len="med"/>
+                    </a:lnR>
+                    <a:lnT w="12700" cap="flat" cmpd="sng" algn="ctr">
+                      <a:solidFill>
+                        <a:schemeClr val="tx1"/>
+                      </a:solidFill>
+                      <a:prstDash val="solid"/>
+                      <a:round/>
+                      <a:headEnd type="none" w="med" len="med"/>
+                      <a:tailEnd type="none" w="med" len="med"/>
+                    </a:lnT>
+                    <a:lnB w="12700" cap="flat" cmpd="sng" algn="ctr">
+                      <a:solidFill>
+                        <a:schemeClr val="tx1"/>
+                      </a:solidFill>
+                      <a:prstDash val="solid"/>
+                      <a:round/>
+                      <a:headEnd type="none" w="med" len="med"/>
+                      <a:tailEnd type="none" w="med" len="med"/>
+                    </a:lnB>
+                    <a:noFill/>
+                  </a:tcPr>
+                </a:tc>
+                <a:tc>
+                  <a:txBody>
+                    <a:bodyPr/>
+                    <a:lstStyle/>
+                    <a:p>
+                      <a:pPr marL="0" marR="0" algn="l" defTabSz="914377" rtl="0" eaLnBrk="1" latinLnBrk="0" hangingPunct="1">
+                        <a:spcBef>
+                          <a:spcPts val="0"/>
+                        </a:spcBef>
+                        <a:spcAft>
+                          <a:spcPts val="0"/>
+                        </a:spcAft>
+                      </a:pPr>
+                      <a:r>
+                        <a:rPr lang="en-US" sz="1800" b="0" kern="1200" dirty="0">
+                          <a:solidFill>
+                            <a:schemeClr val="tx1"/>
+                          </a:solidFill>
+                          <a:effectLst/>
+                          <a:latin typeface="+mn-lt"/>
+                          <a:ea typeface="+mn-ea"/>
+                          <a:cs typeface="+mn-cs"/>
+                        </a:rPr>
+                        <a:t>15%</a:t>
+                      </a:r>
+                    </a:p>
+                  </a:txBody>
+                  <a:tcPr marL="34673" marR="34673" marT="0" marB="0">
+                    <a:lnL w="12700" cap="flat" cmpd="sng" algn="ctr">
+                      <a:solidFill>
+                        <a:schemeClr val="tx1"/>
+                      </a:solidFill>
+                      <a:prstDash val="solid"/>
+                      <a:round/>
+                      <a:headEnd type="none" w="med" len="med"/>
+                      <a:tailEnd type="none" w="med" len="med"/>
+                    </a:lnL>
+                    <a:lnR w="12700" cap="flat" cmpd="sng" algn="ctr">
+                      <a:solidFill>
+                        <a:schemeClr val="tx1"/>
+                      </a:solidFill>
+                      <a:prstDash val="solid"/>
+                      <a:round/>
+                      <a:headEnd type="none" w="med" len="med"/>
+                      <a:tailEnd type="none" w="med" len="med"/>
+                    </a:lnR>
+                    <a:lnT w="12700" cap="flat" cmpd="sng" algn="ctr">
+                      <a:solidFill>
+                        <a:schemeClr val="tx1"/>
+                      </a:solidFill>
+                      <a:prstDash val="solid"/>
+                      <a:round/>
+                      <a:headEnd type="none" w="med" len="med"/>
+                      <a:tailEnd type="none" w="med" len="med"/>
+                    </a:lnT>
+                    <a:lnB w="12700" cap="flat" cmpd="sng" algn="ctr">
+                      <a:solidFill>
+                        <a:schemeClr val="tx1"/>
+                      </a:solidFill>
+                      <a:prstDash val="solid"/>
+                      <a:round/>
+                      <a:headEnd type="none" w="med" len="med"/>
+                      <a:tailEnd type="none" w="med" len="med"/>
+                    </a:lnB>
+                    <a:noFill/>
+                  </a:tcPr>
+                </a:tc>
+                <a:extLst>
+                  <a:ext uri="{0D108BD9-81ED-4DB2-BD59-A6C34878D82A}">
+                    <a16:rowId xmlns:a16="http://schemas.microsoft.com/office/drawing/2014/main" val="167830581"/>
+                  </a:ext>
+                </a:extLst>
+              </a:tr>
+            </a:tbl>
+          </a:graphicData>
+        </a:graphic>
+      </p:graphicFrame>
+      <p:sp>
+        <p:nvSpPr>
+          <p:cNvPr id="4" name="Slide Number Placeholder 3">
+            <a:extLst>
+              <a:ext uri="{FF2B5EF4-FFF2-40B4-BE49-F238E27FC236}">
+                <a16:creationId xmlns:a16="http://schemas.microsoft.com/office/drawing/2014/main" id="{5980FA27-603B-B242-A33D-22682FC1C95F}"/>
+              </a:ext>
+            </a:extLst>
+          </p:cNvPr>
+          <p:cNvSpPr>
+            <a:spLocks noGrp="1"/>
+          </p:cNvSpPr>
+          <p:nvPr>
+            <p:ph type="sldNum" sz="quarter" idx="4294967295"/>
+          </p:nvPr>
+        </p:nvSpPr>
+        <p:spPr>
+          <a:xfrm>
+            <a:off x="8458200" y="320675"/>
+            <a:ext cx="685800" cy="319088"/>
+          </a:xfrm>
+        </p:spPr>
+        <p:txBody>
+          <a:bodyPr/>
+          <a:lstStyle/>
+          <a:p>
+            <a:pPr>
+              <a:defRPr/>
+            </a:pPr>
+            <a:fld id="{3464530E-D695-45C9-AFB6-E411BBE0972A}" type="slidenum">
+              <a:rPr lang="en-US" smtClean="0"/>
+              <a:pPr>
+                <a:defRPr/>
+              </a:pPr>
+              <a:t>11</a:t>
+            </a:fld>
+            <a:endParaRPr lang="en-US"/>
+          </a:p>
+        </p:txBody>
+      </p:sp>
+    </p:spTree>
+    <p:extLst>
+      <p:ext uri="{BB962C8B-B14F-4D97-AF65-F5344CB8AC3E}">
+        <p14:creationId xmlns:p14="http://schemas.microsoft.com/office/powerpoint/2010/main" val="1121240544"/>
+      </p:ext>
+    </p:extLst>
+  </p:cSld>
+  <p:clrMapOvr>
+    <a:masterClrMapping/>
+  </p:clrMapOvr>
+</p:sld>
+</file>
+
+<file path=ppt/slides/slide12.xml><?xml version="1.0" encoding="utf-8"?>
+<p:sld xmlns:a="http://schemas.openxmlformats.org/drawingml/2006/main" xmlns:r="http://schemas.openxmlformats.org/officeDocument/2006/relationships" xmlns:p="http://schemas.openxmlformats.org/presentationml/2006/main">
+  <p:cSld>
+    <p:spTree>
+      <p:nvGrpSpPr>
+        <p:cNvPr id="1" name=""/>
+        <p:cNvGrpSpPr/>
+        <p:nvPr/>
+      </p:nvGrpSpPr>
+      <p:grpSpPr>
+        <a:xfrm>
+          <a:off x="0" y="0"/>
+          <a:ext cx="0" cy="0"/>
+          <a:chOff x="0" y="0"/>
+          <a:chExt cx="0" cy="0"/>
+        </a:xfrm>
+      </p:grpSpPr>
+      <p:sp>
+        <p:nvSpPr>
+          <p:cNvPr id="2" name="Title 1">
+            <a:extLst>
+              <a:ext uri="{FF2B5EF4-FFF2-40B4-BE49-F238E27FC236}">
                 <a16:creationId xmlns:a16="http://schemas.microsoft.com/office/drawing/2014/main" id="{12116DA8-0EB8-8245-94BA-568D65F96093}"/>
               </a:ext>
             </a:extLst>
@@ -12157,15 +14005,9 @@
             </a:r>
           </a:p>
           <a:p>
-            <a:endParaRPr lang="en-US" dirty="0"/>
-          </a:p>
-          <a:p>
-            <a:r>
-              <a:rPr lang="en-US" dirty="0"/>
-              <a:t>Slack</a:t>
-            </a:r>
-          </a:p>
-          <a:p>
+            <a:pPr marL="0" indent="0">
+              <a:buNone/>
+            </a:pPr>
             <a:endParaRPr lang="en-US" dirty="0"/>
           </a:p>
           <a:p>
@@ -12210,7 +14052,7 @@
               <a:pPr>
                 <a:defRPr/>
               </a:pPr>
-              <a:t>11</a:t>
+              <a:t>12</a:t>
             </a:fld>
             <a:endParaRPr lang="en-US"/>
           </a:p>
@@ -12911,21 +14753,21 @@
             <a:pPr lvl="1"/>
             <a:r>
               <a:rPr lang="en-US" dirty="0"/>
-              <a:t>First half: many small assignments</a:t>
+              <a:t>First part: many small assignments</a:t>
             </a:r>
           </a:p>
           <a:p>
             <a:pPr lvl="1"/>
             <a:r>
               <a:rPr lang="en-US" dirty="0"/>
-              <a:t>Second half: one multi-part assignment</a:t>
+              <a:t>Second part: one multi-part assignment</a:t>
             </a:r>
           </a:p>
           <a:p>
             <a:pPr lvl="1"/>
             <a:r>
               <a:rPr lang="en-US" dirty="0"/>
-              <a:t>Readings</a:t>
+              <a:t>Third part: research!</a:t>
             </a:r>
           </a:p>
           <a:p>
@@ -12963,12 +14805,15 @@
             <a:pPr lvl="1"/>
             <a:r>
               <a:rPr lang="en-US" dirty="0"/>
-              <a:t>Practice!!!</a:t>
+              <a:t>Practice</a:t>
             </a:r>
           </a:p>
           <a:p>
             <a:pPr lvl="1"/>
-            <a:endParaRPr lang="en-US" dirty="0"/>
+            <a:r>
+              <a:rPr lang="en-US" dirty="0"/>
+              <a:t>Research</a:t>
+            </a:r>
           </a:p>
           <a:p>
             <a:endParaRPr lang="en-US" dirty="0"/>
@@ -13102,17 +14947,16 @@
           <a:p>
             <a:pPr lvl="1"/>
             <a:r>
-              <a:rPr lang="en-US" dirty="0" err="1"/>
+              <a:rPr lang="en-US" dirty="0">
+                <a:hlinkClick r:id="rId2"/>
+              </a:rPr>
               <a:t>igorfs@utfpr.edu.br</a:t>
             </a:r>
+            <a:endParaRPr lang="en-US" dirty="0"/>
+          </a:p>
+          <a:p>
+            <a:pPr lvl="1"/>
             <a:endParaRPr lang="en-US" b="1" dirty="0"/>
-          </a:p>
-          <a:p>
-            <a:pPr lvl="1"/>
-            <a:r>
-              <a:rPr lang="en-US" dirty="0"/>
-              <a:t>Slack! </a:t>
-            </a:r>
           </a:p>
           <a:p>
             <a:pPr marL="457188" lvl="1" indent="0">
@@ -13287,6 +15131,12 @@
             </a:r>
           </a:p>
           <a:p>
+            <a:pPr marL="457188" lvl="1" indent="0">
+              <a:buNone/>
+            </a:pPr>
+            <a:endParaRPr lang="en-US" dirty="0"/>
+          </a:p>
+          <a:p>
             <a:r>
               <a:rPr lang="en-US" b="1" dirty="0"/>
               <a:t>Class-time assignments</a:t>
@@ -13415,14 +15265,14 @@
             <p:ph idx="1"/>
             <p:extLst>
               <p:ext uri="{D42A27DB-BD31-4B8C-83A1-F6EECF244321}">
-                <p14:modId xmlns:p14="http://schemas.microsoft.com/office/powerpoint/2010/main" val="3940355156"/>
+                <p14:modId xmlns:p14="http://schemas.microsoft.com/office/powerpoint/2010/main" val="1358337879"/>
               </p:ext>
             </p:extLst>
           </p:nvPr>
         </p:nvGraphicFramePr>
         <p:xfrm>
           <a:off x="975085" y="1566706"/>
-          <a:ext cx="7265723" cy="2423547"/>
+          <a:ext cx="7265723" cy="2902972"/>
         </p:xfrm>
         <a:graphic>
           <a:graphicData uri="http://schemas.openxmlformats.org/drawingml/2006/table">
@@ -14219,18 +16069,15 @@
                           <a:spcPts val="0"/>
                         </a:spcAft>
                       </a:pPr>
-                      <a:r>
-                        <a:rPr lang="en-US" sz="1800" b="0" kern="1200" dirty="0">
-                          <a:solidFill>
-                            <a:schemeClr val="tx1"/>
-                          </a:solidFill>
-                          <a:effectLst/>
-                          <a:latin typeface="+mn-lt"/>
-                          <a:ea typeface="+mn-ea"/>
-                          <a:cs typeface="+mn-cs"/>
-                        </a:rPr>
-                        <a:t>20%</a:t>
-                      </a:r>
+                      <a:endParaRPr lang="en-US" sz="1800" b="0" kern="1200" dirty="0">
+                        <a:solidFill>
+                          <a:schemeClr val="tx1"/>
+                        </a:solidFill>
+                        <a:effectLst/>
+                        <a:latin typeface="+mn-lt"/>
+                        <a:ea typeface="+mn-ea"/>
+                        <a:cs typeface="+mn-cs"/>
+                      </a:endParaRPr>
                     </a:p>
                   </a:txBody>
                   <a:tcPr marL="34673" marR="34673" marT="0" marB="0">
@@ -14495,15 +16342,6 @@
                           <a:spcPts val="0"/>
                         </a:spcAft>
                       </a:pPr>
-                      <a:r>
-                        <a:rPr lang="en-US" sz="1800" dirty="0">
-                          <a:solidFill>
-                            <a:schemeClr val="tx1"/>
-                          </a:solidFill>
-                          <a:effectLst/>
-                        </a:rPr>
-                        <a:t>8%</a:t>
-                      </a:r>
                       <a:endParaRPr lang="en-US" sz="1800" dirty="0">
                         <a:solidFill>
                           <a:schemeClr val="tx1"/>
@@ -14725,15 +16563,6 @@
                           <a:spcPts val="0"/>
                         </a:spcAft>
                       </a:pPr>
-                      <a:r>
-                        <a:rPr lang="en-US" sz="1800" dirty="0">
-                          <a:solidFill>
-                            <a:schemeClr val="tx1"/>
-                          </a:solidFill>
-                          <a:effectLst/>
-                        </a:rPr>
-                        <a:t>5%</a:t>
-                      </a:r>
                       <a:endParaRPr lang="en-US" sz="1800" dirty="0">
                         <a:solidFill>
                           <a:schemeClr val="tx1"/>
@@ -14855,7 +16684,7 @@
                       <a:headEnd type="none" w="med" len="med"/>
                       <a:tailEnd type="none" w="med" len="med"/>
                     </a:lnT>
-                    <a:lnB w="28575" cap="flat" cmpd="sng" algn="ctr">
+                    <a:lnB w="12700" cap="flat" cmpd="sng" algn="ctr">
                       <a:solidFill>
                         <a:schemeClr val="tx1"/>
                       </a:solidFill>
@@ -14967,7 +16796,7 @@
                       <a:headEnd type="none" w="med" len="med"/>
                       <a:tailEnd type="none" w="med" len="med"/>
                     </a:lnT>
-                    <a:lnB w="28575" cap="flat" cmpd="sng" algn="ctr">
+                    <a:lnB w="12700" cap="flat" cmpd="sng" algn="ctr">
                       <a:solidFill>
                         <a:schemeClr val="tx1"/>
                       </a:solidFill>
@@ -14992,15 +16821,6 @@
                           <a:spcPts val="0"/>
                         </a:spcAft>
                       </a:pPr>
-                      <a:r>
-                        <a:rPr lang="en-US" sz="1800" dirty="0">
-                          <a:solidFill>
-                            <a:schemeClr val="tx1"/>
-                          </a:solidFill>
-                          <a:effectLst/>
-                        </a:rPr>
-                        <a:t>7%</a:t>
-                      </a:r>
                       <a:endParaRPr lang="en-US" sz="1800" dirty="0">
                         <a:solidFill>
                           <a:schemeClr val="tx1"/>
@@ -15040,7 +16860,7 @@
                       <a:headEnd type="none" w="med" len="med"/>
                       <a:tailEnd type="none" w="med" len="med"/>
                     </a:lnT>
-                    <a:lnB w="28575" cap="flat" cmpd="sng" algn="ctr">
+                    <a:lnB w="12700" cap="flat" cmpd="sng" algn="ctr">
                       <a:solidFill>
                         <a:schemeClr val="tx1"/>
                       </a:solidFill>
@@ -15055,6 +16875,208 @@
                 <a:extLst>
                   <a:ext uri="{0D108BD9-81ED-4DB2-BD59-A6C34878D82A}">
                     <a16:rowId xmlns:a16="http://schemas.microsoft.com/office/drawing/2014/main" val="518318919"/>
+                  </a:ext>
+                </a:extLst>
+              </a:tr>
+              <a:tr h="479425">
+                <a:tc>
+                  <a:txBody>
+                    <a:bodyPr/>
+                    <a:lstStyle/>
+                    <a:p>
+                      <a:pPr marL="0" marR="0" algn="l" defTabSz="914377" rtl="0" eaLnBrk="1" latinLnBrk="0" hangingPunct="1">
+                        <a:spcBef>
+                          <a:spcPts val="0"/>
+                        </a:spcBef>
+                        <a:spcAft>
+                          <a:spcPts val="0"/>
+                        </a:spcAft>
+                      </a:pPr>
+                      <a:endParaRPr lang="en-US" sz="1800" b="0" kern="1200" dirty="0">
+                        <a:solidFill>
+                          <a:schemeClr val="tx1"/>
+                        </a:solidFill>
+                        <a:effectLst/>
+                        <a:latin typeface="+mn-lt"/>
+                        <a:ea typeface="+mn-ea"/>
+                        <a:cs typeface="+mn-cs"/>
+                      </a:endParaRPr>
+                    </a:p>
+                  </a:txBody>
+                  <a:tcPr marL="34673" marR="34673" marT="0" marB="0">
+                    <a:lnL w="12700" cap="flat" cmpd="sng" algn="ctr">
+                      <a:solidFill>
+                        <a:schemeClr val="tx1"/>
+                      </a:solidFill>
+                      <a:prstDash val="solid"/>
+                      <a:round/>
+                      <a:headEnd type="none" w="med" len="med"/>
+                      <a:tailEnd type="none" w="med" len="med"/>
+                    </a:lnL>
+                    <a:lnR w="12700" cap="flat" cmpd="sng" algn="ctr">
+                      <a:solidFill>
+                        <a:schemeClr val="tx1"/>
+                      </a:solidFill>
+                      <a:prstDash val="solid"/>
+                      <a:round/>
+                      <a:headEnd type="none" w="med" len="med"/>
+                      <a:tailEnd type="none" w="med" len="med"/>
+                    </a:lnR>
+                    <a:lnT w="12700" cap="flat" cmpd="sng" algn="ctr">
+                      <a:solidFill>
+                        <a:schemeClr val="tx1"/>
+                      </a:solidFill>
+                      <a:prstDash val="solid"/>
+                      <a:round/>
+                      <a:headEnd type="none" w="med" len="med"/>
+                      <a:tailEnd type="none" w="med" len="med"/>
+                    </a:lnT>
+                    <a:lnB w="28575" cap="flat" cmpd="sng" algn="ctr">
+                      <a:solidFill>
+                        <a:schemeClr val="tx1"/>
+                      </a:solidFill>
+                      <a:prstDash val="solid"/>
+                      <a:round/>
+                      <a:headEnd type="none" w="med" len="med"/>
+                      <a:tailEnd type="none" w="med" len="med"/>
+                    </a:lnB>
+                    <a:noFill/>
+                  </a:tcPr>
+                </a:tc>
+                <a:tc>
+                  <a:txBody>
+                    <a:bodyPr/>
+                    <a:lstStyle/>
+                    <a:p>
+                      <a:pPr marL="0" marR="0" algn="l" defTabSz="914377" rtl="0" eaLnBrk="1" latinLnBrk="0" hangingPunct="1">
+                        <a:spcBef>
+                          <a:spcPts val="0"/>
+                        </a:spcBef>
+                        <a:spcAft>
+                          <a:spcPts val="0"/>
+                        </a:spcAft>
+                      </a:pPr>
+                      <a:endParaRPr lang="en-US" sz="1800" b="0" kern="1200" dirty="0">
+                        <a:solidFill>
+                          <a:schemeClr val="tx1"/>
+                        </a:solidFill>
+                        <a:effectLst/>
+                        <a:latin typeface="+mn-lt"/>
+                        <a:ea typeface="+mn-ea"/>
+                        <a:cs typeface="+mn-cs"/>
+                      </a:endParaRPr>
+                    </a:p>
+                  </a:txBody>
+                  <a:tcPr marL="34673" marR="34673" marT="0" marB="0">
+                    <a:lnL w="12700" cap="flat" cmpd="sng" algn="ctr">
+                      <a:solidFill>
+                        <a:schemeClr val="tx1"/>
+                      </a:solidFill>
+                      <a:prstDash val="solid"/>
+                      <a:round/>
+                      <a:headEnd type="none" w="med" len="med"/>
+                      <a:tailEnd type="none" w="med" len="med"/>
+                    </a:lnL>
+                    <a:lnR w="12700" cap="flat" cmpd="sng" algn="ctr">
+                      <a:solidFill>
+                        <a:schemeClr val="tx1"/>
+                      </a:solidFill>
+                      <a:prstDash val="solid"/>
+                      <a:round/>
+                      <a:headEnd type="none" w="med" len="med"/>
+                      <a:tailEnd type="none" w="med" len="med"/>
+                    </a:lnR>
+                    <a:lnT w="12700" cap="flat" cmpd="sng" algn="ctr">
+                      <a:solidFill>
+                        <a:schemeClr val="tx1"/>
+                      </a:solidFill>
+                      <a:prstDash val="solid"/>
+                      <a:round/>
+                      <a:headEnd type="none" w="med" len="med"/>
+                      <a:tailEnd type="none" w="med" len="med"/>
+                    </a:lnT>
+                    <a:lnB w="28575" cap="flat" cmpd="sng" algn="ctr">
+                      <a:solidFill>
+                        <a:schemeClr val="tx1"/>
+                      </a:solidFill>
+                      <a:prstDash val="solid"/>
+                      <a:round/>
+                      <a:headEnd type="none" w="med" len="med"/>
+                      <a:tailEnd type="none" w="med" len="med"/>
+                    </a:lnB>
+                    <a:noFill/>
+                  </a:tcPr>
+                </a:tc>
+                <a:tc>
+                  <a:txBody>
+                    <a:bodyPr/>
+                    <a:lstStyle/>
+                    <a:p>
+                      <a:pPr marL="0" marR="0" algn="l" defTabSz="914377" rtl="0" eaLnBrk="1" latinLnBrk="0" hangingPunct="1">
+                        <a:spcBef>
+                          <a:spcPts val="0"/>
+                        </a:spcBef>
+                        <a:spcAft>
+                          <a:spcPts val="0"/>
+                        </a:spcAft>
+                      </a:pPr>
+                      <a:r>
+                        <a:rPr lang="en-US" sz="1800" b="0" kern="1200" dirty="0">
+                          <a:solidFill>
+                            <a:schemeClr val="tx1"/>
+                          </a:solidFill>
+                          <a:effectLst/>
+                          <a:latin typeface="+mn-lt"/>
+                          <a:ea typeface="+mn-ea"/>
+                          <a:cs typeface="+mn-cs"/>
+                        </a:rPr>
+                        <a:t>30%</a:t>
+                      </a:r>
+                    </a:p>
+                  </a:txBody>
+                  <a:tcPr marL="34673" marR="34673" marT="0" marB="0">
+                    <a:lnL w="12700" cap="flat" cmpd="sng" algn="ctr">
+                      <a:solidFill>
+                        <a:schemeClr val="tx1"/>
+                      </a:solidFill>
+                      <a:prstDash val="solid"/>
+                      <a:round/>
+                      <a:headEnd type="none" w="med" len="med"/>
+                      <a:tailEnd type="none" w="med" len="med"/>
+                    </a:lnL>
+                    <a:lnR w="12700" cap="flat" cmpd="sng" algn="ctr">
+                      <a:solidFill>
+                        <a:schemeClr val="tx1"/>
+                      </a:solidFill>
+                      <a:prstDash val="solid"/>
+                      <a:round/>
+                      <a:headEnd type="none" w="med" len="med"/>
+                      <a:tailEnd type="none" w="med" len="med"/>
+                    </a:lnR>
+                    <a:lnT w="12700" cap="flat" cmpd="sng" algn="ctr">
+                      <a:solidFill>
+                        <a:schemeClr val="tx1"/>
+                      </a:solidFill>
+                      <a:prstDash val="solid"/>
+                      <a:round/>
+                      <a:headEnd type="none" w="med" len="med"/>
+                      <a:tailEnd type="none" w="med" len="med"/>
+                    </a:lnT>
+                    <a:lnB w="28575" cap="flat" cmpd="sng" algn="ctr">
+                      <a:solidFill>
+                        <a:schemeClr val="tx1"/>
+                      </a:solidFill>
+                      <a:prstDash val="solid"/>
+                      <a:round/>
+                      <a:headEnd type="none" w="med" len="med"/>
+                      <a:tailEnd type="none" w="med" len="med"/>
+                    </a:lnB>
+                    <a:noFill/>
+                  </a:tcPr>
+                </a:tc>
+                <a:extLst>
+                  <a:ext uri="{0D108BD9-81ED-4DB2-BD59-A6C34878D82A}">
+                    <a16:rowId xmlns:a16="http://schemas.microsoft.com/office/drawing/2014/main" val="1994024570"/>
                   </a:ext>
                 </a:extLst>
               </a:tr>
